--- a/QLearningLectureTarver.pptx
+++ b/QLearningLectureTarver.pptx
@@ -6,10 +6,10 @@
     <p:sldMasterId id="2147483665" r:id="rId2"/>
   </p:sldMasterIdLst>
   <p:notesMasterIdLst>
-    <p:notesMasterId r:id="rId10"/>
+    <p:notesMasterId r:id="rId20"/>
   </p:notesMasterIdLst>
   <p:handoutMasterIdLst>
-    <p:handoutMasterId r:id="rId11"/>
+    <p:handoutMasterId r:id="rId21"/>
   </p:handoutMasterIdLst>
   <p:sldIdLst>
     <p:sldId id="1616" r:id="rId3"/>
@@ -19,6 +19,16 @@
     <p:sldId id="1695" r:id="rId7"/>
     <p:sldId id="1696" r:id="rId8"/>
     <p:sldId id="1697" r:id="rId9"/>
+    <p:sldId id="1703" r:id="rId10"/>
+    <p:sldId id="1705" r:id="rId11"/>
+    <p:sldId id="1700" r:id="rId12"/>
+    <p:sldId id="1698" r:id="rId13"/>
+    <p:sldId id="1701" r:id="rId14"/>
+    <p:sldId id="1706" r:id="rId15"/>
+    <p:sldId id="1707" r:id="rId16"/>
+    <p:sldId id="1708" r:id="rId17"/>
+    <p:sldId id="1709" r:id="rId18"/>
+    <p:sldId id="1699" r:id="rId19"/>
   </p:sldIdLst>
   <p:sldSz cx="10058400" cy="7772400"/>
   <p:notesSz cx="7099300" cy="10234613"/>
@@ -166,10 +176,6 @@
 </p:cmAuthorLst>
 </file>
 
-<file path=ppt/revisionInfo.xml><?xml version="1.0" encoding="utf-8"?>
-<p1510:revInfo xmlns:a="http://schemas.openxmlformats.org/drawingml/2006/main" xmlns:r="http://schemas.openxmlformats.org/officeDocument/2006/relationships" xmlns:p1510="http://schemas.microsoft.com/office/powerpoint/2015/10/main"/>
-</file>
-
 <file path=ppt/handoutMasters/handoutMaster1.xml><?xml version="1.0" encoding="utf-8"?>
 <p:handoutMaster xmlns:a="http://schemas.openxmlformats.org/drawingml/2006/main" xmlns:r="http://schemas.openxmlformats.org/officeDocument/2006/relationships" xmlns:p="http://schemas.openxmlformats.org/presentationml/2006/main">
   <p:cSld>
@@ -290,7 +296,7 @@
                   <a:srgbClr val="F16322"/>
                 </a:solidFill>
               </a:rPr>
-              <a:t>2/4/2018</a:t>
+              <a:t>2/5/2018</a:t>
             </a:fld>
             <a:endParaRPr lang="en-US" dirty="0">
               <a:solidFill>
@@ -450,7 +456,7 @@
             <a:fld id="{DBF7D493-8EEB-7E45-916B-5FBC49ABC710}" type="datetimeFigureOut">
               <a:rPr lang="en-US" smtClean="0"/>
               <a:pPr/>
-              <a:t>2/4/2018</a:t>
+              <a:t>2/5/2018</a:t>
             </a:fld>
             <a:endParaRPr lang="en-US" dirty="0"/>
           </a:p>
@@ -2185,7 +2191,7 @@
                 <a:ea typeface="Droid Sans" panose="020B0606030804020204" pitchFamily="34" charset="0"/>
                 <a:cs typeface="Droid Sans" panose="020B0606030804020204" pitchFamily="34" charset="0"/>
               </a:rPr>
-              <a:t>Q Learning</a:t>
+              <a:t>Q-Learning</a:t>
             </a:r>
             <a:endParaRPr lang="en-US" sz="4000" dirty="0">
               <a:solidFill>
@@ -2218,6 +2224,1342 @@
     <p:extLst>
       <p:ext uri="{BB962C8B-B14F-4D97-AF65-F5344CB8AC3E}">
         <p14:creationId xmlns:p14="http://schemas.microsoft.com/office/powerpoint/2010/main" val="359590594"/>
+      </p:ext>
+    </p:extLst>
+  </p:cSld>
+  <p:clrMapOvr>
+    <a:masterClrMapping/>
+  </p:clrMapOvr>
+</p:sld>
+</file>
+
+<file path=ppt/slides/slide10.xml><?xml version="1.0" encoding="utf-8"?>
+<p:sld xmlns:a="http://schemas.openxmlformats.org/drawingml/2006/main" xmlns:r="http://schemas.openxmlformats.org/officeDocument/2006/relationships" xmlns:p="http://schemas.openxmlformats.org/presentationml/2006/main">
+  <p:cSld>
+    <p:spTree>
+      <p:nvGrpSpPr>
+        <p:cNvPr id="1" name=""/>
+        <p:cNvGrpSpPr/>
+        <p:nvPr/>
+      </p:nvGrpSpPr>
+      <p:grpSpPr>
+        <a:xfrm>
+          <a:off x="0" y="0"/>
+          <a:ext cx="0" cy="0"/>
+          <a:chOff x="0" y="0"/>
+          <a:chExt cx="0" cy="0"/>
+        </a:xfrm>
+      </p:grpSpPr>
+      <p:sp>
+        <p:nvSpPr>
+          <p:cNvPr id="2" name="Title 1">
+            <a:extLst>
+              <a:ext uri="{FF2B5EF4-FFF2-40B4-BE49-F238E27FC236}">
+                <a16:creationId xmlns:a16="http://schemas.microsoft.com/office/drawing/2014/main" id="{DF658ADA-5D6F-4FE6-9C29-891CE8F21D2F}"/>
+              </a:ext>
+            </a:extLst>
+          </p:cNvPr>
+          <p:cNvSpPr>
+            <a:spLocks noGrp="1"/>
+          </p:cNvSpPr>
+          <p:nvPr>
+            <p:ph type="title"/>
+          </p:nvPr>
+        </p:nvSpPr>
+        <p:spPr/>
+        <p:txBody>
+          <a:bodyPr/>
+          <a:lstStyle/>
+          <a:p>
+            <a:r>
+              <a:rPr lang="en-US" b="1" dirty="0"/>
+              <a:t>Demo</a:t>
+            </a:r>
+            <a:endParaRPr lang="en-US" dirty="0"/>
+          </a:p>
+        </p:txBody>
+      </p:sp>
+      <p:sp>
+        <p:nvSpPr>
+          <p:cNvPr id="3" name="Content Placeholder 2">
+            <a:extLst>
+              <a:ext uri="{FF2B5EF4-FFF2-40B4-BE49-F238E27FC236}">
+                <a16:creationId xmlns:a16="http://schemas.microsoft.com/office/drawing/2014/main" id="{3625CCE7-7D5A-472C-998A-045F49E926FA}"/>
+              </a:ext>
+            </a:extLst>
+          </p:cNvPr>
+          <p:cNvSpPr>
+            <a:spLocks noGrp="1"/>
+          </p:cNvSpPr>
+          <p:nvPr>
+            <p:ph idx="1"/>
+          </p:nvPr>
+        </p:nvSpPr>
+        <p:spPr>
+          <a:xfrm>
+            <a:off x="502920" y="1365070"/>
+            <a:ext cx="9052560" cy="1258509"/>
+          </a:xfrm>
+        </p:spPr>
+        <p:txBody>
+          <a:bodyPr/>
+          <a:lstStyle/>
+          <a:p>
+            <a:pPr fontAlgn="base"/>
+            <a:r>
+              <a:rPr lang="en-US" sz="3200" dirty="0"/>
+              <a:t>https://github.com/ctarver/QLearningMatlab</a:t>
+            </a:r>
+            <a:endParaRPr lang="en-US" sz="3200" i="1" dirty="0"/>
+          </a:p>
+        </p:txBody>
+      </p:sp>
+      <p:sp>
+        <p:nvSpPr>
+          <p:cNvPr id="4" name="Slide Number Placeholder 3">
+            <a:extLst>
+              <a:ext uri="{FF2B5EF4-FFF2-40B4-BE49-F238E27FC236}">
+                <a16:creationId xmlns:a16="http://schemas.microsoft.com/office/drawing/2014/main" id="{0C8B2B10-DBF1-4874-B7A2-95A903EF9687}"/>
+              </a:ext>
+            </a:extLst>
+          </p:cNvPr>
+          <p:cNvSpPr>
+            <a:spLocks noGrp="1"/>
+          </p:cNvSpPr>
+          <p:nvPr>
+            <p:ph type="sldNum" sz="quarter" idx="4"/>
+          </p:nvPr>
+        </p:nvSpPr>
+        <p:spPr/>
+        <p:txBody>
+          <a:bodyPr/>
+          <a:lstStyle/>
+          <a:p>
+            <a:fld id="{D1D6D637-7578-4CD7-949F-EB88750F0CF0}" type="slidenum">
+              <a:rPr lang="en-US" smtClean="0"/>
+              <a:pPr/>
+              <a:t>10</a:t>
+            </a:fld>
+            <a:endParaRPr lang="en-US" dirty="0"/>
+          </a:p>
+        </p:txBody>
+      </p:sp>
+    </p:spTree>
+    <p:extLst>
+      <p:ext uri="{BB962C8B-B14F-4D97-AF65-F5344CB8AC3E}">
+        <p14:creationId xmlns:p14="http://schemas.microsoft.com/office/powerpoint/2010/main" val="612295534"/>
+      </p:ext>
+    </p:extLst>
+  </p:cSld>
+  <p:clrMapOvr>
+    <a:masterClrMapping/>
+  </p:clrMapOvr>
+</p:sld>
+</file>
+
+<file path=ppt/slides/slide11.xml><?xml version="1.0" encoding="utf-8"?>
+<p:sld xmlns:a="http://schemas.openxmlformats.org/drawingml/2006/main" xmlns:r="http://schemas.openxmlformats.org/officeDocument/2006/relationships" xmlns:p="http://schemas.openxmlformats.org/presentationml/2006/main">
+  <p:cSld>
+    <p:spTree>
+      <p:nvGrpSpPr>
+        <p:cNvPr id="1" name=""/>
+        <p:cNvGrpSpPr/>
+        <p:nvPr/>
+      </p:nvGrpSpPr>
+      <p:grpSpPr>
+        <a:xfrm>
+          <a:off x="0" y="0"/>
+          <a:ext cx="0" cy="0"/>
+          <a:chOff x="0" y="0"/>
+          <a:chExt cx="0" cy="0"/>
+        </a:xfrm>
+      </p:grpSpPr>
+      <p:sp>
+        <p:nvSpPr>
+          <p:cNvPr id="2" name="Title 1">
+            <a:extLst>
+              <a:ext uri="{FF2B5EF4-FFF2-40B4-BE49-F238E27FC236}">
+                <a16:creationId xmlns:a16="http://schemas.microsoft.com/office/drawing/2014/main" id="{DF658ADA-5D6F-4FE6-9C29-891CE8F21D2F}"/>
+              </a:ext>
+            </a:extLst>
+          </p:cNvPr>
+          <p:cNvSpPr>
+            <a:spLocks noGrp="1"/>
+          </p:cNvSpPr>
+          <p:nvPr>
+            <p:ph type="title"/>
+          </p:nvPr>
+        </p:nvSpPr>
+        <p:spPr/>
+        <p:txBody>
+          <a:bodyPr/>
+          <a:lstStyle/>
+          <a:p>
+            <a:r>
+              <a:rPr lang="en-US" b="1" dirty="0"/>
+              <a:t>History</a:t>
+            </a:r>
+            <a:endParaRPr lang="en-US" dirty="0"/>
+          </a:p>
+        </p:txBody>
+      </p:sp>
+      <p:sp>
+        <p:nvSpPr>
+          <p:cNvPr id="3" name="Content Placeholder 2">
+            <a:extLst>
+              <a:ext uri="{FF2B5EF4-FFF2-40B4-BE49-F238E27FC236}">
+                <a16:creationId xmlns:a16="http://schemas.microsoft.com/office/drawing/2014/main" id="{3625CCE7-7D5A-472C-998A-045F49E926FA}"/>
+              </a:ext>
+            </a:extLst>
+          </p:cNvPr>
+          <p:cNvSpPr>
+            <a:spLocks noGrp="1"/>
+          </p:cNvSpPr>
+          <p:nvPr>
+            <p:ph idx="1"/>
+          </p:nvPr>
+        </p:nvSpPr>
+        <p:spPr>
+          <a:xfrm>
+            <a:off x="502920" y="1365070"/>
+            <a:ext cx="9052560" cy="5577916"/>
+          </a:xfrm>
+        </p:spPr>
+        <p:txBody>
+          <a:bodyPr/>
+          <a:lstStyle/>
+          <a:p>
+            <a:pPr fontAlgn="base"/>
+            <a:r>
+              <a:rPr lang="en-US" dirty="0"/>
+              <a:t>1989: “Learning from Delayed Rewards”</a:t>
+            </a:r>
+          </a:p>
+          <a:p>
+            <a:pPr lvl="1" fontAlgn="base"/>
+            <a:r>
+              <a:rPr lang="en-US" dirty="0"/>
+              <a:t>Watkins, Ph.D. Thesis, Cambridge University</a:t>
+            </a:r>
+          </a:p>
+          <a:p>
+            <a:pPr lvl="1" fontAlgn="base"/>
+            <a:r>
+              <a:rPr lang="en-US" dirty="0"/>
+              <a:t>http://www.cs.rhul.ac.uk/~chrisw/new_thesis.pdf</a:t>
+            </a:r>
+          </a:p>
+          <a:p>
+            <a:pPr fontAlgn="base"/>
+            <a:r>
+              <a:rPr lang="en-US" dirty="0"/>
+              <a:t>1992: “Q,-Learning”</a:t>
+            </a:r>
+          </a:p>
+          <a:p>
+            <a:pPr lvl="1" fontAlgn="base"/>
+            <a:r>
+              <a:rPr lang="en-US" dirty="0"/>
+              <a:t>Watkins and Dayan, </a:t>
+            </a:r>
+            <a:r>
+              <a:rPr lang="en-US" u="sng" dirty="0"/>
+              <a:t>Machine Learning</a:t>
+            </a:r>
+          </a:p>
+          <a:p>
+            <a:pPr lvl="1" fontAlgn="base"/>
+            <a:r>
+              <a:rPr lang="en-US" dirty="0"/>
+              <a:t>Proved convergence</a:t>
+            </a:r>
+          </a:p>
+          <a:p>
+            <a:pPr lvl="1" fontAlgn="base"/>
+            <a:r>
+              <a:rPr lang="en-US" sz="2700" i="1" dirty="0"/>
+              <a:t>http://www.gatsby.ucl.ac.uk/~dayan/papers/cjch.pdf</a:t>
+            </a:r>
+          </a:p>
+        </p:txBody>
+      </p:sp>
+      <p:sp>
+        <p:nvSpPr>
+          <p:cNvPr id="4" name="Slide Number Placeholder 3">
+            <a:extLst>
+              <a:ext uri="{FF2B5EF4-FFF2-40B4-BE49-F238E27FC236}">
+                <a16:creationId xmlns:a16="http://schemas.microsoft.com/office/drawing/2014/main" id="{0C8B2B10-DBF1-4874-B7A2-95A903EF9687}"/>
+              </a:ext>
+            </a:extLst>
+          </p:cNvPr>
+          <p:cNvSpPr>
+            <a:spLocks noGrp="1"/>
+          </p:cNvSpPr>
+          <p:nvPr>
+            <p:ph type="sldNum" sz="quarter" idx="4"/>
+          </p:nvPr>
+        </p:nvSpPr>
+        <p:spPr/>
+        <p:txBody>
+          <a:bodyPr/>
+          <a:lstStyle/>
+          <a:p>
+            <a:fld id="{D1D6D637-7578-4CD7-949F-EB88750F0CF0}" type="slidenum">
+              <a:rPr lang="en-US" smtClean="0"/>
+              <a:pPr/>
+              <a:t>11</a:t>
+            </a:fld>
+            <a:endParaRPr lang="en-US" dirty="0"/>
+          </a:p>
+        </p:txBody>
+      </p:sp>
+    </p:spTree>
+    <p:extLst>
+      <p:ext uri="{BB962C8B-B14F-4D97-AF65-F5344CB8AC3E}">
+        <p14:creationId xmlns:p14="http://schemas.microsoft.com/office/powerpoint/2010/main" val="1677516089"/>
+      </p:ext>
+    </p:extLst>
+  </p:cSld>
+  <p:clrMapOvr>
+    <a:masterClrMapping/>
+  </p:clrMapOvr>
+</p:sld>
+</file>
+
+<file path=ppt/slides/slide12.xml><?xml version="1.0" encoding="utf-8"?>
+<p:sld xmlns:a="http://schemas.openxmlformats.org/drawingml/2006/main" xmlns:r="http://schemas.openxmlformats.org/officeDocument/2006/relationships" xmlns:p="http://schemas.openxmlformats.org/presentationml/2006/main">
+  <p:cSld>
+    <p:spTree>
+      <p:nvGrpSpPr>
+        <p:cNvPr id="1" name=""/>
+        <p:cNvGrpSpPr/>
+        <p:nvPr/>
+      </p:nvGrpSpPr>
+      <p:grpSpPr>
+        <a:xfrm>
+          <a:off x="0" y="0"/>
+          <a:ext cx="0" cy="0"/>
+          <a:chOff x="0" y="0"/>
+          <a:chExt cx="0" cy="0"/>
+        </a:xfrm>
+      </p:grpSpPr>
+      <p:sp>
+        <p:nvSpPr>
+          <p:cNvPr id="2" name="Title 1">
+            <a:extLst>
+              <a:ext uri="{FF2B5EF4-FFF2-40B4-BE49-F238E27FC236}">
+                <a16:creationId xmlns:a16="http://schemas.microsoft.com/office/drawing/2014/main" id="{DF658ADA-5D6F-4FE6-9C29-891CE8F21D2F}"/>
+              </a:ext>
+            </a:extLst>
+          </p:cNvPr>
+          <p:cNvSpPr>
+            <a:spLocks noGrp="1"/>
+          </p:cNvSpPr>
+          <p:nvPr>
+            <p:ph type="title"/>
+          </p:nvPr>
+        </p:nvSpPr>
+        <p:spPr/>
+        <p:txBody>
+          <a:bodyPr/>
+          <a:lstStyle/>
+          <a:p>
+            <a:r>
+              <a:rPr lang="en-US" b="1" dirty="0"/>
+              <a:t>Selected Applications </a:t>
+            </a:r>
+            <a:endParaRPr lang="en-US" dirty="0"/>
+          </a:p>
+        </p:txBody>
+      </p:sp>
+      <p:sp>
+        <p:nvSpPr>
+          <p:cNvPr id="3" name="Content Placeholder 2">
+            <a:extLst>
+              <a:ext uri="{FF2B5EF4-FFF2-40B4-BE49-F238E27FC236}">
+                <a16:creationId xmlns:a16="http://schemas.microsoft.com/office/drawing/2014/main" id="{3625CCE7-7D5A-472C-998A-045F49E926FA}"/>
+              </a:ext>
+            </a:extLst>
+          </p:cNvPr>
+          <p:cNvSpPr>
+            <a:spLocks noGrp="1"/>
+          </p:cNvSpPr>
+          <p:nvPr>
+            <p:ph idx="1"/>
+          </p:nvPr>
+        </p:nvSpPr>
+        <p:spPr>
+          <a:xfrm>
+            <a:off x="502920" y="1365070"/>
+            <a:ext cx="9052560" cy="5577916"/>
+          </a:xfrm>
+        </p:spPr>
+        <p:txBody>
+          <a:bodyPr/>
+          <a:lstStyle/>
+          <a:p>
+            <a:pPr fontAlgn="base"/>
+            <a:r>
+              <a:rPr lang="en-US" dirty="0"/>
+              <a:t>Distributed Q-Learning for Aggregated Interference Control in Cognitive Radio Networks</a:t>
+            </a:r>
+          </a:p>
+          <a:p>
+            <a:pPr lvl="1" fontAlgn="base"/>
+            <a:r>
+              <a:rPr lang="en-US" dirty="0"/>
+              <a:t>IEEE TRANSACTIONS ON VEHICULAR TECHNOLOGY, VOL. 59, NO. 4, MAY 2010</a:t>
+            </a:r>
+          </a:p>
+          <a:p>
+            <a:pPr fontAlgn="base"/>
+            <a:r>
+              <a:rPr lang="en-US" dirty="0"/>
+              <a:t>Reinforcement Learning With Function Approximation for Traffic Signal Control</a:t>
+            </a:r>
+          </a:p>
+          <a:p>
+            <a:pPr lvl="1" fontAlgn="base"/>
+            <a:r>
+              <a:rPr lang="en-US" dirty="0"/>
+              <a:t>IEEE TRANSACTIONS ON INTELLIGENT TRANSPORTATION SYSTEMS, VOL. 12, NO. 2, JUNE 2011</a:t>
+            </a:r>
+          </a:p>
+          <a:p>
+            <a:pPr fontAlgn="base"/>
+            <a:endParaRPr lang="en-US" sz="2700" i="1" dirty="0"/>
+          </a:p>
+        </p:txBody>
+      </p:sp>
+      <p:sp>
+        <p:nvSpPr>
+          <p:cNvPr id="4" name="Slide Number Placeholder 3">
+            <a:extLst>
+              <a:ext uri="{FF2B5EF4-FFF2-40B4-BE49-F238E27FC236}">
+                <a16:creationId xmlns:a16="http://schemas.microsoft.com/office/drawing/2014/main" id="{0C8B2B10-DBF1-4874-B7A2-95A903EF9687}"/>
+              </a:ext>
+            </a:extLst>
+          </p:cNvPr>
+          <p:cNvSpPr>
+            <a:spLocks noGrp="1"/>
+          </p:cNvSpPr>
+          <p:nvPr>
+            <p:ph type="sldNum" sz="quarter" idx="4"/>
+          </p:nvPr>
+        </p:nvSpPr>
+        <p:spPr/>
+        <p:txBody>
+          <a:bodyPr/>
+          <a:lstStyle/>
+          <a:p>
+            <a:fld id="{D1D6D637-7578-4CD7-949F-EB88750F0CF0}" type="slidenum">
+              <a:rPr lang="en-US" smtClean="0"/>
+              <a:pPr/>
+              <a:t>12</a:t>
+            </a:fld>
+            <a:endParaRPr lang="en-US" dirty="0"/>
+          </a:p>
+        </p:txBody>
+      </p:sp>
+    </p:spTree>
+    <p:extLst>
+      <p:ext uri="{BB962C8B-B14F-4D97-AF65-F5344CB8AC3E}">
+        <p14:creationId xmlns:p14="http://schemas.microsoft.com/office/powerpoint/2010/main" val="715809000"/>
+      </p:ext>
+    </p:extLst>
+  </p:cSld>
+  <p:clrMapOvr>
+    <a:masterClrMapping/>
+  </p:clrMapOvr>
+</p:sld>
+</file>
+
+<file path=ppt/slides/slide13.xml><?xml version="1.0" encoding="utf-8"?>
+<p:sld xmlns:a="http://schemas.openxmlformats.org/drawingml/2006/main" xmlns:r="http://schemas.openxmlformats.org/officeDocument/2006/relationships" xmlns:p="http://schemas.openxmlformats.org/presentationml/2006/main">
+  <p:cSld>
+    <p:spTree>
+      <p:nvGrpSpPr>
+        <p:cNvPr id="1" name=""/>
+        <p:cNvGrpSpPr/>
+        <p:nvPr/>
+      </p:nvGrpSpPr>
+      <p:grpSpPr>
+        <a:xfrm>
+          <a:off x="0" y="0"/>
+          <a:ext cx="0" cy="0"/>
+          <a:chOff x="0" y="0"/>
+          <a:chExt cx="0" cy="0"/>
+        </a:xfrm>
+      </p:grpSpPr>
+      <p:sp>
+        <p:nvSpPr>
+          <p:cNvPr id="2" name="Title 1">
+            <a:extLst>
+              <a:ext uri="{FF2B5EF4-FFF2-40B4-BE49-F238E27FC236}">
+                <a16:creationId xmlns:a16="http://schemas.microsoft.com/office/drawing/2014/main" id="{DF658ADA-5D6F-4FE6-9C29-891CE8F21D2F}"/>
+              </a:ext>
+            </a:extLst>
+          </p:cNvPr>
+          <p:cNvSpPr>
+            <a:spLocks noGrp="1"/>
+          </p:cNvSpPr>
+          <p:nvPr>
+            <p:ph type="title"/>
+          </p:nvPr>
+        </p:nvSpPr>
+        <p:spPr/>
+        <p:txBody>
+          <a:bodyPr/>
+          <a:lstStyle/>
+          <a:p>
+            <a:r>
+              <a:rPr lang="en-US" sz="3200" b="1" dirty="0"/>
+              <a:t>Distributed Q-Learning for Aggregated Interference Control in Cognitive Radio Networks</a:t>
+            </a:r>
+          </a:p>
+        </p:txBody>
+      </p:sp>
+      <p:sp>
+        <p:nvSpPr>
+          <p:cNvPr id="3" name="Content Placeholder 2">
+            <a:extLst>
+              <a:ext uri="{FF2B5EF4-FFF2-40B4-BE49-F238E27FC236}">
+                <a16:creationId xmlns:a16="http://schemas.microsoft.com/office/drawing/2014/main" id="{3625CCE7-7D5A-472C-998A-045F49E926FA}"/>
+              </a:ext>
+            </a:extLst>
+          </p:cNvPr>
+          <p:cNvSpPr>
+            <a:spLocks noGrp="1"/>
+          </p:cNvSpPr>
+          <p:nvPr>
+            <p:ph idx="1"/>
+          </p:nvPr>
+        </p:nvSpPr>
+        <p:spPr>
+          <a:xfrm>
+            <a:off x="502920" y="1365070"/>
+            <a:ext cx="4526280" cy="5577916"/>
+          </a:xfrm>
+        </p:spPr>
+        <p:txBody>
+          <a:bodyPr/>
+          <a:lstStyle/>
+          <a:p>
+            <a:pPr fontAlgn="base"/>
+            <a:r>
+              <a:rPr lang="en-US" sz="2700" dirty="0"/>
+              <a:t>Underutilized spectrum with spectrum holes</a:t>
+            </a:r>
+          </a:p>
+          <a:p>
+            <a:pPr fontAlgn="base"/>
+            <a:r>
+              <a:rPr lang="en-US" sz="2700" dirty="0"/>
+              <a:t>Cognitive radio</a:t>
+            </a:r>
+          </a:p>
+          <a:p>
+            <a:pPr fontAlgn="base"/>
+            <a:r>
+              <a:rPr lang="en-US" sz="2700" dirty="0"/>
+              <a:t>IEEE 802.22, TV Whitespace</a:t>
+            </a:r>
+          </a:p>
+          <a:p>
+            <a:pPr fontAlgn="base"/>
+            <a:r>
+              <a:rPr lang="en-US" sz="2800" dirty="0"/>
+              <a:t>Learning Power-Allocation Policy by Q-Learning With Complete and Partial Information</a:t>
+            </a:r>
+          </a:p>
+          <a:p>
+            <a:pPr fontAlgn="base"/>
+            <a:r>
+              <a:rPr lang="en-US" sz="1800" dirty="0"/>
+              <a:t>http://ieeexplore.ieee.org.ezproxy.rice.edu/stamp/stamp.jsp?tp=&amp;arnumber=5415567</a:t>
+            </a:r>
+          </a:p>
+          <a:p>
+            <a:pPr fontAlgn="base"/>
+            <a:endParaRPr lang="en-US" sz="2700" dirty="0"/>
+          </a:p>
+        </p:txBody>
+      </p:sp>
+      <p:sp>
+        <p:nvSpPr>
+          <p:cNvPr id="4" name="Slide Number Placeholder 3">
+            <a:extLst>
+              <a:ext uri="{FF2B5EF4-FFF2-40B4-BE49-F238E27FC236}">
+                <a16:creationId xmlns:a16="http://schemas.microsoft.com/office/drawing/2014/main" id="{0C8B2B10-DBF1-4874-B7A2-95A903EF9687}"/>
+              </a:ext>
+            </a:extLst>
+          </p:cNvPr>
+          <p:cNvSpPr>
+            <a:spLocks noGrp="1"/>
+          </p:cNvSpPr>
+          <p:nvPr>
+            <p:ph type="sldNum" sz="quarter" idx="4"/>
+          </p:nvPr>
+        </p:nvSpPr>
+        <p:spPr/>
+        <p:txBody>
+          <a:bodyPr/>
+          <a:lstStyle/>
+          <a:p>
+            <a:fld id="{D1D6D637-7578-4CD7-949F-EB88750F0CF0}" type="slidenum">
+              <a:rPr lang="en-US" smtClean="0"/>
+              <a:pPr/>
+              <a:t>13</a:t>
+            </a:fld>
+            <a:endParaRPr lang="en-US" dirty="0"/>
+          </a:p>
+        </p:txBody>
+      </p:sp>
+      <p:pic>
+        <p:nvPicPr>
+          <p:cNvPr id="6" name="Picture 5" descr="A close up of text on a white background&#10;&#10;Description generated with high confidence">
+            <a:extLst>
+              <a:ext uri="{FF2B5EF4-FFF2-40B4-BE49-F238E27FC236}">
+                <a16:creationId xmlns:a16="http://schemas.microsoft.com/office/drawing/2014/main" id="{909BBF2D-15FB-4EBF-9B7E-2C2E92A64084}"/>
+              </a:ext>
+            </a:extLst>
+          </p:cNvPr>
+          <p:cNvPicPr>
+            <a:picLocks noChangeAspect="1"/>
+          </p:cNvPicPr>
+          <p:nvPr/>
+        </p:nvPicPr>
+        <p:blipFill>
+          <a:blip r:embed="rId2"/>
+          <a:stretch>
+            <a:fillRect/>
+          </a:stretch>
+        </p:blipFill>
+        <p:spPr>
+          <a:xfrm>
+            <a:off x="5544052" y="2021458"/>
+            <a:ext cx="4185863" cy="4265140"/>
+          </a:xfrm>
+          <a:prstGeom prst="rect">
+            <a:avLst/>
+          </a:prstGeom>
+        </p:spPr>
+      </p:pic>
+    </p:spTree>
+    <p:extLst>
+      <p:ext uri="{BB962C8B-B14F-4D97-AF65-F5344CB8AC3E}">
+        <p14:creationId xmlns:p14="http://schemas.microsoft.com/office/powerpoint/2010/main" val="902177087"/>
+      </p:ext>
+    </p:extLst>
+  </p:cSld>
+  <p:clrMapOvr>
+    <a:masterClrMapping/>
+  </p:clrMapOvr>
+</p:sld>
+</file>
+
+<file path=ppt/slides/slide14.xml><?xml version="1.0" encoding="utf-8"?>
+<p:sld xmlns:a="http://schemas.openxmlformats.org/drawingml/2006/main" xmlns:r="http://schemas.openxmlformats.org/officeDocument/2006/relationships" xmlns:p="http://schemas.openxmlformats.org/presentationml/2006/main">
+  <p:cSld>
+    <p:spTree>
+      <p:nvGrpSpPr>
+        <p:cNvPr id="1" name=""/>
+        <p:cNvGrpSpPr/>
+        <p:nvPr/>
+      </p:nvGrpSpPr>
+      <p:grpSpPr>
+        <a:xfrm>
+          <a:off x="0" y="0"/>
+          <a:ext cx="0" cy="0"/>
+          <a:chOff x="0" y="0"/>
+          <a:chExt cx="0" cy="0"/>
+        </a:xfrm>
+      </p:grpSpPr>
+      <p:sp>
+        <p:nvSpPr>
+          <p:cNvPr id="2" name="Title 1">
+            <a:extLst>
+              <a:ext uri="{FF2B5EF4-FFF2-40B4-BE49-F238E27FC236}">
+                <a16:creationId xmlns:a16="http://schemas.microsoft.com/office/drawing/2014/main" id="{DF658ADA-5D6F-4FE6-9C29-891CE8F21D2F}"/>
+              </a:ext>
+            </a:extLst>
+          </p:cNvPr>
+          <p:cNvSpPr>
+            <a:spLocks noGrp="1"/>
+          </p:cNvSpPr>
+          <p:nvPr>
+            <p:ph type="title"/>
+          </p:nvPr>
+        </p:nvSpPr>
+        <p:spPr/>
+        <p:txBody>
+          <a:bodyPr/>
+          <a:lstStyle/>
+          <a:p>
+            <a:r>
+              <a:rPr lang="en-US" sz="3200" b="1" dirty="0"/>
+              <a:t>Distributed Q-Learning for Aggregated Interference Control in Cognitive Radio Networks</a:t>
+            </a:r>
+          </a:p>
+        </p:txBody>
+      </p:sp>
+      <p:sp>
+        <p:nvSpPr>
+          <p:cNvPr id="3" name="Content Placeholder 2">
+            <a:extLst>
+              <a:ext uri="{FF2B5EF4-FFF2-40B4-BE49-F238E27FC236}">
+                <a16:creationId xmlns:a16="http://schemas.microsoft.com/office/drawing/2014/main" id="{3625CCE7-7D5A-472C-998A-045F49E926FA}"/>
+              </a:ext>
+            </a:extLst>
+          </p:cNvPr>
+          <p:cNvSpPr>
+            <a:spLocks noGrp="1"/>
+          </p:cNvSpPr>
+          <p:nvPr>
+            <p:ph idx="1"/>
+          </p:nvPr>
+        </p:nvSpPr>
+        <p:spPr>
+          <a:xfrm>
+            <a:off x="502920" y="1365070"/>
+            <a:ext cx="4526280" cy="5577916"/>
+          </a:xfrm>
+        </p:spPr>
+        <p:txBody>
+          <a:bodyPr/>
+          <a:lstStyle/>
+          <a:p>
+            <a:pPr fontAlgn="base"/>
+            <a:r>
+              <a:rPr lang="en-US" sz="2700" dirty="0"/>
+              <a:t>State at each node </a:t>
+            </a:r>
+            <a:r>
+              <a:rPr lang="en-US" sz="2700" i="1" dirty="0"/>
+              <a:t>i</a:t>
+            </a:r>
+            <a:r>
+              <a:rPr lang="en-US" sz="2700" dirty="0"/>
+              <a:t>:</a:t>
+            </a:r>
+          </a:p>
+          <a:p>
+            <a:pPr lvl="1" fontAlgn="base"/>
+            <a:r>
+              <a:rPr lang="en-US" sz="2200" i="1" dirty="0"/>
+              <a:t>I </a:t>
+            </a:r>
+            <a:r>
+              <a:rPr lang="en-US" sz="2200" dirty="0"/>
+              <a:t>: binary indicator for if the SU is generating interference </a:t>
+            </a:r>
+          </a:p>
+          <a:p>
+            <a:pPr lvl="1" fontAlgn="base"/>
+            <a:r>
+              <a:rPr lang="en-US" sz="2200" i="1" dirty="0"/>
+              <a:t>d: </a:t>
+            </a:r>
+            <a:r>
+              <a:rPr lang="en-US" sz="2200" dirty="0"/>
+              <a:t>approximate distance from each user and protection contour</a:t>
+            </a:r>
+          </a:p>
+          <a:p>
+            <a:pPr lvl="1" fontAlgn="base"/>
+            <a:r>
+              <a:rPr lang="en-US" sz="2200" i="1" dirty="0"/>
+              <a:t>p: </a:t>
+            </a:r>
+            <a:r>
+              <a:rPr lang="en-US" sz="2200" dirty="0"/>
+              <a:t>current power</a:t>
+            </a:r>
+          </a:p>
+          <a:p>
+            <a:pPr fontAlgn="base"/>
+            <a:r>
+              <a:rPr lang="en-US" sz="2700" i="1" dirty="0"/>
+              <a:t>Actions:</a:t>
+            </a:r>
+          </a:p>
+          <a:p>
+            <a:pPr lvl="1" fontAlgn="base"/>
+            <a:r>
+              <a:rPr lang="en-US" sz="2200" dirty="0"/>
+              <a:t>Power levels that the secondary BS can assign to the </a:t>
+            </a:r>
+            <a:r>
+              <a:rPr lang="en-US" sz="2200" i="1" dirty="0" err="1"/>
+              <a:t>i</a:t>
+            </a:r>
+            <a:r>
+              <a:rPr lang="en-US" sz="2200" dirty="0" err="1"/>
+              <a:t>th</a:t>
+            </a:r>
+            <a:r>
+              <a:rPr lang="en-US" sz="2200" dirty="0"/>
+              <a:t> secondary user.</a:t>
+            </a:r>
+          </a:p>
+        </p:txBody>
+      </p:sp>
+      <p:sp>
+        <p:nvSpPr>
+          <p:cNvPr id="4" name="Slide Number Placeholder 3">
+            <a:extLst>
+              <a:ext uri="{FF2B5EF4-FFF2-40B4-BE49-F238E27FC236}">
+                <a16:creationId xmlns:a16="http://schemas.microsoft.com/office/drawing/2014/main" id="{0C8B2B10-DBF1-4874-B7A2-95A903EF9687}"/>
+              </a:ext>
+            </a:extLst>
+          </p:cNvPr>
+          <p:cNvSpPr>
+            <a:spLocks noGrp="1"/>
+          </p:cNvSpPr>
+          <p:nvPr>
+            <p:ph type="sldNum" sz="quarter" idx="4"/>
+          </p:nvPr>
+        </p:nvSpPr>
+        <p:spPr/>
+        <p:txBody>
+          <a:bodyPr/>
+          <a:lstStyle/>
+          <a:p>
+            <a:fld id="{D1D6D637-7578-4CD7-949F-EB88750F0CF0}" type="slidenum">
+              <a:rPr lang="en-US" smtClean="0"/>
+              <a:pPr/>
+              <a:t>14</a:t>
+            </a:fld>
+            <a:endParaRPr lang="en-US" dirty="0"/>
+          </a:p>
+        </p:txBody>
+      </p:sp>
+      <p:pic>
+        <p:nvPicPr>
+          <p:cNvPr id="7" name="Picture 6" descr="A close up of a map&#10;&#10;Description generated with high confidence">
+            <a:extLst>
+              <a:ext uri="{FF2B5EF4-FFF2-40B4-BE49-F238E27FC236}">
+                <a16:creationId xmlns:a16="http://schemas.microsoft.com/office/drawing/2014/main" id="{CE7728C6-73BF-4745-89E6-4F0668F6A0D5}"/>
+              </a:ext>
+            </a:extLst>
+          </p:cNvPr>
+          <p:cNvPicPr>
+            <a:picLocks noChangeAspect="1"/>
+          </p:cNvPicPr>
+          <p:nvPr/>
+        </p:nvPicPr>
+        <p:blipFill>
+          <a:blip r:embed="rId2"/>
+          <a:stretch>
+            <a:fillRect/>
+          </a:stretch>
+        </p:blipFill>
+        <p:spPr>
+          <a:xfrm>
+            <a:off x="5029200" y="1365070"/>
+            <a:ext cx="4737898" cy="5035394"/>
+          </a:xfrm>
+          <a:prstGeom prst="rect">
+            <a:avLst/>
+          </a:prstGeom>
+        </p:spPr>
+      </p:pic>
+    </p:spTree>
+    <p:extLst>
+      <p:ext uri="{BB962C8B-B14F-4D97-AF65-F5344CB8AC3E}">
+        <p14:creationId xmlns:p14="http://schemas.microsoft.com/office/powerpoint/2010/main" val="2820825004"/>
+      </p:ext>
+    </p:extLst>
+  </p:cSld>
+  <p:clrMapOvr>
+    <a:masterClrMapping/>
+  </p:clrMapOvr>
+</p:sld>
+</file>
+
+<file path=ppt/slides/slide15.xml><?xml version="1.0" encoding="utf-8"?>
+<p:sld xmlns:a="http://schemas.openxmlformats.org/drawingml/2006/main" xmlns:r="http://schemas.openxmlformats.org/officeDocument/2006/relationships" xmlns:p="http://schemas.openxmlformats.org/presentationml/2006/main">
+  <p:cSld>
+    <p:spTree>
+      <p:nvGrpSpPr>
+        <p:cNvPr id="1" name=""/>
+        <p:cNvGrpSpPr/>
+        <p:nvPr/>
+      </p:nvGrpSpPr>
+      <p:grpSpPr>
+        <a:xfrm>
+          <a:off x="0" y="0"/>
+          <a:ext cx="0" cy="0"/>
+          <a:chOff x="0" y="0"/>
+          <a:chExt cx="0" cy="0"/>
+        </a:xfrm>
+      </p:grpSpPr>
+      <p:sp>
+        <p:nvSpPr>
+          <p:cNvPr id="2" name="Title 1">
+            <a:extLst>
+              <a:ext uri="{FF2B5EF4-FFF2-40B4-BE49-F238E27FC236}">
+                <a16:creationId xmlns:a16="http://schemas.microsoft.com/office/drawing/2014/main" id="{DF658ADA-5D6F-4FE6-9C29-891CE8F21D2F}"/>
+              </a:ext>
+            </a:extLst>
+          </p:cNvPr>
+          <p:cNvSpPr>
+            <a:spLocks noGrp="1"/>
+          </p:cNvSpPr>
+          <p:nvPr>
+            <p:ph type="title"/>
+          </p:nvPr>
+        </p:nvSpPr>
+        <p:spPr/>
+        <p:txBody>
+          <a:bodyPr/>
+          <a:lstStyle/>
+          <a:p>
+            <a:r>
+              <a:rPr lang="en-US" sz="3200" b="1" dirty="0"/>
+              <a:t>Distributed Q-Learning for Aggregated Interference Control in Cognitive Radio Networks</a:t>
+            </a:r>
+          </a:p>
+        </p:txBody>
+      </p:sp>
+      <p:sp>
+        <p:nvSpPr>
+          <p:cNvPr id="4" name="Slide Number Placeholder 3">
+            <a:extLst>
+              <a:ext uri="{FF2B5EF4-FFF2-40B4-BE49-F238E27FC236}">
+                <a16:creationId xmlns:a16="http://schemas.microsoft.com/office/drawing/2014/main" id="{0C8B2B10-DBF1-4874-B7A2-95A903EF9687}"/>
+              </a:ext>
+            </a:extLst>
+          </p:cNvPr>
+          <p:cNvSpPr>
+            <a:spLocks noGrp="1"/>
+          </p:cNvSpPr>
+          <p:nvPr>
+            <p:ph type="sldNum" sz="quarter" idx="4"/>
+          </p:nvPr>
+        </p:nvSpPr>
+        <p:spPr/>
+        <p:txBody>
+          <a:bodyPr/>
+          <a:lstStyle/>
+          <a:p>
+            <a:fld id="{D1D6D637-7578-4CD7-949F-EB88750F0CF0}" type="slidenum">
+              <a:rPr lang="en-US" smtClean="0"/>
+              <a:pPr/>
+              <a:t>15</a:t>
+            </a:fld>
+            <a:endParaRPr lang="en-US" dirty="0"/>
+          </a:p>
+        </p:txBody>
+      </p:sp>
+      <p:pic>
+        <p:nvPicPr>
+          <p:cNvPr id="9" name="Picture 8" descr="A screenshot of a cell phone&#10;&#10;Description generated with very high confidence">
+            <a:extLst>
+              <a:ext uri="{FF2B5EF4-FFF2-40B4-BE49-F238E27FC236}">
+                <a16:creationId xmlns:a16="http://schemas.microsoft.com/office/drawing/2014/main" id="{69C85A6C-6511-444E-9CBA-7669EC2304A8}"/>
+              </a:ext>
+            </a:extLst>
+          </p:cNvPr>
+          <p:cNvPicPr>
+            <a:picLocks noChangeAspect="1"/>
+          </p:cNvPicPr>
+          <p:nvPr/>
+        </p:nvPicPr>
+        <p:blipFill>
+          <a:blip r:embed="rId2"/>
+          <a:stretch>
+            <a:fillRect/>
+          </a:stretch>
+        </p:blipFill>
+        <p:spPr>
+          <a:xfrm>
+            <a:off x="248168" y="1200082"/>
+            <a:ext cx="9562065" cy="5372236"/>
+          </a:xfrm>
+          <a:prstGeom prst="rect">
+            <a:avLst/>
+          </a:prstGeom>
+        </p:spPr>
+      </p:pic>
+    </p:spTree>
+    <p:extLst>
+      <p:ext uri="{BB962C8B-B14F-4D97-AF65-F5344CB8AC3E}">
+        <p14:creationId xmlns:p14="http://schemas.microsoft.com/office/powerpoint/2010/main" val="1101307758"/>
+      </p:ext>
+    </p:extLst>
+  </p:cSld>
+  <p:clrMapOvr>
+    <a:masterClrMapping/>
+  </p:clrMapOvr>
+</p:sld>
+</file>
+
+<file path=ppt/slides/slide16.xml><?xml version="1.0" encoding="utf-8"?>
+<p:sld xmlns:a="http://schemas.openxmlformats.org/drawingml/2006/main" xmlns:r="http://schemas.openxmlformats.org/officeDocument/2006/relationships" xmlns:p="http://schemas.openxmlformats.org/presentationml/2006/main">
+  <p:cSld>
+    <p:spTree>
+      <p:nvGrpSpPr>
+        <p:cNvPr id="1" name=""/>
+        <p:cNvGrpSpPr/>
+        <p:nvPr/>
+      </p:nvGrpSpPr>
+      <p:grpSpPr>
+        <a:xfrm>
+          <a:off x="0" y="0"/>
+          <a:ext cx="0" cy="0"/>
+          <a:chOff x="0" y="0"/>
+          <a:chExt cx="0" cy="0"/>
+        </a:xfrm>
+      </p:grpSpPr>
+      <p:sp>
+        <p:nvSpPr>
+          <p:cNvPr id="2" name="Title 1">
+            <a:extLst>
+              <a:ext uri="{FF2B5EF4-FFF2-40B4-BE49-F238E27FC236}">
+                <a16:creationId xmlns:a16="http://schemas.microsoft.com/office/drawing/2014/main" id="{DF658ADA-5D6F-4FE6-9C29-891CE8F21D2F}"/>
+              </a:ext>
+            </a:extLst>
+          </p:cNvPr>
+          <p:cNvSpPr>
+            <a:spLocks noGrp="1"/>
+          </p:cNvSpPr>
+          <p:nvPr>
+            <p:ph type="title"/>
+          </p:nvPr>
+        </p:nvSpPr>
+        <p:spPr/>
+        <p:txBody>
+          <a:bodyPr/>
+          <a:lstStyle/>
+          <a:p>
+            <a:r>
+              <a:rPr lang="en-US" sz="3200" b="1" dirty="0"/>
+              <a:t>Reinforcement Learning With Function</a:t>
+            </a:r>
+            <a:br>
+              <a:rPr lang="en-US" sz="3200" b="1" dirty="0"/>
+            </a:br>
+            <a:r>
+              <a:rPr lang="en-US" sz="3200" b="1" dirty="0"/>
+              <a:t>Approximation for Traffic Signal Control</a:t>
+            </a:r>
+          </a:p>
+        </p:txBody>
+      </p:sp>
+      <p:sp>
+        <p:nvSpPr>
+          <p:cNvPr id="4" name="Slide Number Placeholder 3">
+            <a:extLst>
+              <a:ext uri="{FF2B5EF4-FFF2-40B4-BE49-F238E27FC236}">
+                <a16:creationId xmlns:a16="http://schemas.microsoft.com/office/drawing/2014/main" id="{0C8B2B10-DBF1-4874-B7A2-95A903EF9687}"/>
+              </a:ext>
+            </a:extLst>
+          </p:cNvPr>
+          <p:cNvSpPr>
+            <a:spLocks noGrp="1"/>
+          </p:cNvSpPr>
+          <p:nvPr>
+            <p:ph type="sldNum" sz="quarter" idx="4"/>
+          </p:nvPr>
+        </p:nvSpPr>
+        <p:spPr/>
+        <p:txBody>
+          <a:bodyPr/>
+          <a:lstStyle/>
+          <a:p>
+            <a:fld id="{D1D6D637-7578-4CD7-949F-EB88750F0CF0}" type="slidenum">
+              <a:rPr lang="en-US" smtClean="0"/>
+              <a:pPr/>
+              <a:t>16</a:t>
+            </a:fld>
+            <a:endParaRPr lang="en-US" dirty="0"/>
+          </a:p>
+        </p:txBody>
+      </p:sp>
+      <p:sp>
+        <p:nvSpPr>
+          <p:cNvPr id="5" name="Content Placeholder 2">
+            <a:extLst>
+              <a:ext uri="{FF2B5EF4-FFF2-40B4-BE49-F238E27FC236}">
+                <a16:creationId xmlns:a16="http://schemas.microsoft.com/office/drawing/2014/main" id="{0C515716-9ADE-4560-ABE0-C858499957E0}"/>
+              </a:ext>
+            </a:extLst>
+          </p:cNvPr>
+          <p:cNvSpPr>
+            <a:spLocks noGrp="1"/>
+          </p:cNvSpPr>
+          <p:nvPr>
+            <p:ph idx="1"/>
+          </p:nvPr>
+        </p:nvSpPr>
+        <p:spPr>
+          <a:xfrm>
+            <a:off x="502920" y="1365070"/>
+            <a:ext cx="4526280" cy="5577916"/>
+          </a:xfrm>
+        </p:spPr>
+        <p:txBody>
+          <a:bodyPr/>
+          <a:lstStyle/>
+          <a:p>
+            <a:pPr fontAlgn="base"/>
+            <a:r>
+              <a:rPr lang="en-US" sz="2700" dirty="0"/>
+              <a:t>State:</a:t>
+            </a:r>
+          </a:p>
+          <a:p>
+            <a:pPr lvl="1" fontAlgn="base"/>
+            <a:r>
+              <a:rPr lang="en-US" sz="2200" dirty="0"/>
+              <a:t>Vector of queue lengths and elapsed times for each lane</a:t>
+            </a:r>
+          </a:p>
+          <a:p>
+            <a:pPr fontAlgn="base"/>
+            <a:r>
+              <a:rPr lang="en-US" sz="2700" i="1" dirty="0"/>
+              <a:t>Actions:</a:t>
+            </a:r>
+          </a:p>
+          <a:p>
+            <a:pPr lvl="1" fontAlgn="base"/>
+            <a:r>
+              <a:rPr lang="en-US" sz="2200" dirty="0"/>
+              <a:t>Vector of sign configs</a:t>
+            </a:r>
+          </a:p>
+          <a:p>
+            <a:pPr fontAlgn="base"/>
+            <a:r>
+              <a:rPr lang="en-US" sz="2700" dirty="0"/>
+              <a:t>Cost Functions</a:t>
+            </a:r>
+          </a:p>
+          <a:p>
+            <a:pPr lvl="1" fontAlgn="base"/>
+            <a:r>
+              <a:rPr lang="en-US" sz="2400" dirty="0"/>
+              <a:t>Sum of the queue lengths of the individual lanes and the sum of the elapsed times on all lanes</a:t>
+            </a:r>
+            <a:endParaRPr lang="en-US" sz="2200" dirty="0"/>
+          </a:p>
+        </p:txBody>
+      </p:sp>
+      <p:pic>
+        <p:nvPicPr>
+          <p:cNvPr id="6" name="Picture 5" descr="A close up of a map&#10;&#10;Description generated with very high confidence">
+            <a:extLst>
+              <a:ext uri="{FF2B5EF4-FFF2-40B4-BE49-F238E27FC236}">
+                <a16:creationId xmlns:a16="http://schemas.microsoft.com/office/drawing/2014/main" id="{77370365-A049-4801-A725-FF9745AE1894}"/>
+              </a:ext>
+            </a:extLst>
+          </p:cNvPr>
+          <p:cNvPicPr>
+            <a:picLocks noChangeAspect="1"/>
+          </p:cNvPicPr>
+          <p:nvPr/>
+        </p:nvPicPr>
+        <p:blipFill>
+          <a:blip r:embed="rId2"/>
+          <a:stretch>
+            <a:fillRect/>
+          </a:stretch>
+        </p:blipFill>
+        <p:spPr>
+          <a:xfrm>
+            <a:off x="5029200" y="2194593"/>
+            <a:ext cx="4738703" cy="3383213"/>
+          </a:xfrm>
+          <a:prstGeom prst="rect">
+            <a:avLst/>
+          </a:prstGeom>
+        </p:spPr>
+      </p:pic>
+      <p:sp>
+        <p:nvSpPr>
+          <p:cNvPr id="7" name="TextBox 6">
+            <a:extLst>
+              <a:ext uri="{FF2B5EF4-FFF2-40B4-BE49-F238E27FC236}">
+                <a16:creationId xmlns:a16="http://schemas.microsoft.com/office/drawing/2014/main" id="{E556753F-480C-420D-9E9B-4C263E6C456B}"/>
+              </a:ext>
+            </a:extLst>
+          </p:cNvPr>
+          <p:cNvSpPr txBox="1"/>
+          <p:nvPr/>
+        </p:nvSpPr>
+        <p:spPr>
+          <a:xfrm>
+            <a:off x="502920" y="6644598"/>
+            <a:ext cx="8270543" cy="338554"/>
+          </a:xfrm>
+          <a:prstGeom prst="rect">
+            <a:avLst/>
+          </a:prstGeom>
+          <a:noFill/>
+        </p:spPr>
+        <p:txBody>
+          <a:bodyPr wrap="square" rtlCol="0">
+            <a:spAutoFit/>
+          </a:bodyPr>
+          <a:lstStyle/>
+          <a:p>
+            <a:r>
+              <a:rPr lang="en-US" sz="1600" dirty="0"/>
+              <a:t>http://ieeexplore.ieee.org.ezproxy.rice.edu/stamp/stamp.jsp?tp=&amp;arnumber=5658157</a:t>
+            </a:r>
+          </a:p>
+        </p:txBody>
+      </p:sp>
+    </p:spTree>
+    <p:extLst>
+      <p:ext uri="{BB962C8B-B14F-4D97-AF65-F5344CB8AC3E}">
+        <p14:creationId xmlns:p14="http://schemas.microsoft.com/office/powerpoint/2010/main" val="1283239126"/>
+      </p:ext>
+    </p:extLst>
+  </p:cSld>
+  <p:clrMapOvr>
+    <a:masterClrMapping/>
+  </p:clrMapOvr>
+</p:sld>
+</file>
+
+<file path=ppt/slides/slide17.xml><?xml version="1.0" encoding="utf-8"?>
+<p:sld xmlns:a="http://schemas.openxmlformats.org/drawingml/2006/main" xmlns:r="http://schemas.openxmlformats.org/officeDocument/2006/relationships" xmlns:p="http://schemas.openxmlformats.org/presentationml/2006/main">
+  <p:cSld>
+    <p:spTree>
+      <p:nvGrpSpPr>
+        <p:cNvPr id="1" name=""/>
+        <p:cNvGrpSpPr/>
+        <p:nvPr/>
+      </p:nvGrpSpPr>
+      <p:grpSpPr>
+        <a:xfrm>
+          <a:off x="0" y="0"/>
+          <a:ext cx="0" cy="0"/>
+          <a:chOff x="0" y="0"/>
+          <a:chExt cx="0" cy="0"/>
+        </a:xfrm>
+      </p:grpSpPr>
+      <p:sp>
+        <p:nvSpPr>
+          <p:cNvPr id="2" name="Title 1">
+            <a:extLst>
+              <a:ext uri="{FF2B5EF4-FFF2-40B4-BE49-F238E27FC236}">
+                <a16:creationId xmlns:a16="http://schemas.microsoft.com/office/drawing/2014/main" id="{DF658ADA-5D6F-4FE6-9C29-891CE8F21D2F}"/>
+              </a:ext>
+            </a:extLst>
+          </p:cNvPr>
+          <p:cNvSpPr>
+            <a:spLocks noGrp="1"/>
+          </p:cNvSpPr>
+          <p:nvPr>
+            <p:ph type="title"/>
+          </p:nvPr>
+        </p:nvSpPr>
+        <p:spPr/>
+        <p:txBody>
+          <a:bodyPr/>
+          <a:lstStyle/>
+          <a:p>
+            <a:r>
+              <a:rPr lang="en-US" b="1" dirty="0"/>
+              <a:t>Deep Q-Networks</a:t>
+            </a:r>
+            <a:endParaRPr lang="en-US" dirty="0"/>
+          </a:p>
+        </p:txBody>
+      </p:sp>
+      <p:sp>
+        <p:nvSpPr>
+          <p:cNvPr id="3" name="Content Placeholder 2">
+            <a:extLst>
+              <a:ext uri="{FF2B5EF4-FFF2-40B4-BE49-F238E27FC236}">
+                <a16:creationId xmlns:a16="http://schemas.microsoft.com/office/drawing/2014/main" id="{3625CCE7-7D5A-472C-998A-045F49E926FA}"/>
+              </a:ext>
+            </a:extLst>
+          </p:cNvPr>
+          <p:cNvSpPr>
+            <a:spLocks noGrp="1"/>
+          </p:cNvSpPr>
+          <p:nvPr>
+            <p:ph idx="1"/>
+          </p:nvPr>
+        </p:nvSpPr>
+        <p:spPr>
+          <a:xfrm>
+            <a:off x="502920" y="1365070"/>
+            <a:ext cx="9052560" cy="5577916"/>
+          </a:xfrm>
+        </p:spPr>
+        <p:txBody>
+          <a:bodyPr/>
+          <a:lstStyle/>
+          <a:p>
+            <a:pPr fontAlgn="base"/>
+            <a:r>
+              <a:rPr lang="en-US" dirty="0"/>
+              <a:t>Convolutional neural net before Q learning for object recognition.</a:t>
+            </a:r>
+          </a:p>
+          <a:p>
+            <a:pPr fontAlgn="base"/>
+            <a:r>
+              <a:rPr lang="en-US" dirty="0"/>
+              <a:t>Feb 2015: Google’s Deep Mind</a:t>
+            </a:r>
+          </a:p>
+          <a:p>
+            <a:pPr lvl="1" fontAlgn="base"/>
+            <a:r>
+              <a:rPr lang="en-US" dirty="0"/>
+              <a:t>Play video games</a:t>
+            </a:r>
+          </a:p>
+          <a:p>
+            <a:pPr lvl="1" fontAlgn="base"/>
+            <a:r>
+              <a:rPr lang="en-US" sz="1200" dirty="0"/>
+              <a:t>https://www.nature.com/articles/nature14236.pdf</a:t>
+            </a:r>
+          </a:p>
+        </p:txBody>
+      </p:sp>
+      <p:sp>
+        <p:nvSpPr>
+          <p:cNvPr id="4" name="Slide Number Placeholder 3">
+            <a:extLst>
+              <a:ext uri="{FF2B5EF4-FFF2-40B4-BE49-F238E27FC236}">
+                <a16:creationId xmlns:a16="http://schemas.microsoft.com/office/drawing/2014/main" id="{0C8B2B10-DBF1-4874-B7A2-95A903EF9687}"/>
+              </a:ext>
+            </a:extLst>
+          </p:cNvPr>
+          <p:cNvSpPr>
+            <a:spLocks noGrp="1"/>
+          </p:cNvSpPr>
+          <p:nvPr>
+            <p:ph type="sldNum" sz="quarter" idx="4"/>
+          </p:nvPr>
+        </p:nvSpPr>
+        <p:spPr/>
+        <p:txBody>
+          <a:bodyPr/>
+          <a:lstStyle/>
+          <a:p>
+            <a:fld id="{D1D6D637-7578-4CD7-949F-EB88750F0CF0}" type="slidenum">
+              <a:rPr lang="en-US" smtClean="0"/>
+              <a:pPr/>
+              <a:t>17</a:t>
+            </a:fld>
+            <a:endParaRPr lang="en-US" dirty="0"/>
+          </a:p>
+        </p:txBody>
+      </p:sp>
+    </p:spTree>
+    <p:extLst>
+      <p:ext uri="{BB962C8B-B14F-4D97-AF65-F5344CB8AC3E}">
+        <p14:creationId xmlns:p14="http://schemas.microsoft.com/office/powerpoint/2010/main" val="4196618547"/>
       </p:ext>
     </p:extLst>
   </p:cSld>
@@ -4362,8 +5704,8 @@
         </p:nvSpPr>
         <p:spPr>
           <a:xfrm>
-            <a:off x="502920" y="1813560"/>
-            <a:ext cx="9052560" cy="5129425"/>
+            <a:off x="502920" y="1569494"/>
+            <a:ext cx="9052560" cy="5373492"/>
           </a:xfrm>
         </p:spPr>
         <p:txBody>
@@ -4373,7 +5715,7 @@
             <a:pPr fontAlgn="base"/>
             <a:r>
               <a:rPr lang="en-US" dirty="0"/>
-              <a:t>See which state we end up in and receive rewards</a:t>
+              <a:t>Perform an action and see which state we end up in and receive rewards</a:t>
             </a:r>
             <a:endParaRPr lang="en-US" i="1" dirty="0"/>
           </a:p>
@@ -4681,7 +6023,7 @@
           <a:p>
             <a:pPr algn="r"/>
             <a:r>
-              <a:rPr lang="en-US" i="1" dirty="0"/>
+              <a:rPr lang="en-US" b="1" i="1" dirty="0"/>
               <a:t>action 2</a:t>
             </a:r>
           </a:p>
@@ -6023,10 +7365,1928 @@
           </a:p>
         </p:txBody>
       </p:sp>
+      <mc:AlternateContent xmlns:mc="http://schemas.openxmlformats.org/markup-compatibility/2006">
+        <mc:Choice xmlns:a14="http://schemas.microsoft.com/office/drawing/2010/main" Requires="a14">
+          <p:sp>
+            <p:nvSpPr>
+              <p:cNvPr id="6" name="TextBox 5">
+                <a:extLst>
+                  <a:ext uri="{FF2B5EF4-FFF2-40B4-BE49-F238E27FC236}">
+                    <a16:creationId xmlns:a16="http://schemas.microsoft.com/office/drawing/2014/main" id="{14BA8F9F-E58E-4458-9B17-894F94B63918}"/>
+                  </a:ext>
+                </a:extLst>
+              </p:cNvPr>
+              <p:cNvSpPr txBox="1"/>
+              <p:nvPr/>
+            </p:nvSpPr>
+            <p:spPr>
+              <a:xfrm>
+                <a:off x="2141255" y="6475372"/>
+                <a:ext cx="5947141" cy="307777"/>
+              </a:xfrm>
+              <a:prstGeom prst="rect">
+                <a:avLst/>
+              </a:prstGeom>
+              <a:noFill/>
+            </p:spPr>
+            <p:txBody>
+              <a:bodyPr wrap="none" lIns="0" tIns="0" rIns="0" bIns="0" rtlCol="0">
+                <a:spAutoFit/>
+              </a:bodyPr>
+              <a:lstStyle/>
+              <a:p>
+                <a14:m>
+                  <m:oMathPara xmlns:m="http://schemas.openxmlformats.org/officeDocument/2006/math">
+                    <m:oMathParaPr>
+                      <m:jc m:val="centerGroup"/>
+                    </m:oMathParaPr>
+                    <m:oMath xmlns:m="http://schemas.openxmlformats.org/officeDocument/2006/math">
+                      <m:r>
+                        <a:rPr lang="en-US" b="0" i="1" smtClean="0">
+                          <a:latin typeface="Cambria Math" panose="02040503050406030204" pitchFamily="18" charset="0"/>
+                        </a:rPr>
+                        <m:t>𝑄</m:t>
+                      </m:r>
+                      <m:d>
+                        <m:dPr>
+                          <m:ctrlPr>
+                            <a:rPr lang="en-US" b="0" i="1" smtClean="0">
+                              <a:latin typeface="Cambria Math" panose="02040503050406030204" pitchFamily="18" charset="0"/>
+                            </a:rPr>
+                          </m:ctrlPr>
+                        </m:dPr>
+                        <m:e>
+                          <m:sSub>
+                            <m:sSubPr>
+                              <m:ctrlPr>
+                                <a:rPr lang="en-US" b="0" i="1" smtClean="0">
+                                  <a:latin typeface="Cambria Math" panose="02040503050406030204" pitchFamily="18" charset="0"/>
+                                </a:rPr>
+                              </m:ctrlPr>
+                            </m:sSubPr>
+                            <m:e>
+                              <m:r>
+                                <a:rPr lang="en-US" b="0" i="1" smtClean="0">
+                                  <a:latin typeface="Cambria Math" panose="02040503050406030204" pitchFamily="18" charset="0"/>
+                                </a:rPr>
+                                <m:t>𝑠</m:t>
+                              </m:r>
+                            </m:e>
+                            <m:sub>
+                              <m:r>
+                                <a:rPr lang="en-US" b="0" i="1" smtClean="0">
+                                  <a:latin typeface="Cambria Math" panose="02040503050406030204" pitchFamily="18" charset="0"/>
+                                </a:rPr>
+                                <m:t>𝑡</m:t>
+                              </m:r>
+                            </m:sub>
+                          </m:sSub>
+                          <m:r>
+                            <a:rPr lang="en-US" b="0" i="1" smtClean="0">
+                              <a:latin typeface="Cambria Math" panose="02040503050406030204" pitchFamily="18" charset="0"/>
+                            </a:rPr>
+                            <m:t>,</m:t>
+                          </m:r>
+                          <m:sSub>
+                            <m:sSubPr>
+                              <m:ctrlPr>
+                                <a:rPr lang="en-US" b="0" i="1" smtClean="0">
+                                  <a:latin typeface="Cambria Math" panose="02040503050406030204" pitchFamily="18" charset="0"/>
+                                </a:rPr>
+                              </m:ctrlPr>
+                            </m:sSubPr>
+                            <m:e>
+                              <m:r>
+                                <a:rPr lang="en-US" b="0" i="1" smtClean="0">
+                                  <a:latin typeface="Cambria Math" panose="02040503050406030204" pitchFamily="18" charset="0"/>
+                                </a:rPr>
+                                <m:t>𝑎</m:t>
+                              </m:r>
+                            </m:e>
+                            <m:sub>
+                              <m:r>
+                                <a:rPr lang="en-US" b="0" i="1" smtClean="0">
+                                  <a:latin typeface="Cambria Math" panose="02040503050406030204" pitchFamily="18" charset="0"/>
+                                </a:rPr>
+                                <m:t>𝑡</m:t>
+                              </m:r>
+                            </m:sub>
+                          </m:sSub>
+                        </m:e>
+                      </m:d>
+                      <m:r>
+                        <a:rPr lang="en-US" b="0" i="1" smtClean="0">
+                          <a:latin typeface="Cambria Math" panose="02040503050406030204" pitchFamily="18" charset="0"/>
+                        </a:rPr>
+                        <m:t>=</m:t>
+                      </m:r>
+                      <m:d>
+                        <m:dPr>
+                          <m:ctrlPr>
+                            <a:rPr lang="en-US" b="0" i="1" smtClean="0">
+                              <a:latin typeface="Cambria Math" panose="02040503050406030204" pitchFamily="18" charset="0"/>
+                            </a:rPr>
+                          </m:ctrlPr>
+                        </m:dPr>
+                        <m:e>
+                          <m:r>
+                            <a:rPr lang="en-US" b="0" i="1" smtClean="0">
+                              <a:latin typeface="Cambria Math" panose="02040503050406030204" pitchFamily="18" charset="0"/>
+                            </a:rPr>
+                            <m:t>1−</m:t>
+                          </m:r>
+                          <m:r>
+                            <a:rPr lang="en-US" b="0" i="1" smtClean="0">
+                              <a:latin typeface="Cambria Math" panose="02040503050406030204" pitchFamily="18" charset="0"/>
+                              <a:ea typeface="Cambria Math" panose="02040503050406030204" pitchFamily="18" charset="0"/>
+                            </a:rPr>
+                            <m:t>𝛼</m:t>
+                          </m:r>
+                        </m:e>
+                      </m:d>
+                      <m:r>
+                        <a:rPr lang="en-US" i="1">
+                          <a:latin typeface="Cambria Math" panose="02040503050406030204" pitchFamily="18" charset="0"/>
+                        </a:rPr>
+                        <m:t>𝑄</m:t>
+                      </m:r>
+                      <m:d>
+                        <m:dPr>
+                          <m:ctrlPr>
+                            <a:rPr lang="en-US" b="0" i="1" smtClean="0">
+                              <a:latin typeface="Cambria Math" panose="02040503050406030204" pitchFamily="18" charset="0"/>
+                            </a:rPr>
+                          </m:ctrlPr>
+                        </m:dPr>
+                        <m:e>
+                          <m:sSub>
+                            <m:sSubPr>
+                              <m:ctrlPr>
+                                <a:rPr lang="en-US" b="0" i="1" smtClean="0">
+                                  <a:latin typeface="Cambria Math" panose="02040503050406030204" pitchFamily="18" charset="0"/>
+                                </a:rPr>
+                              </m:ctrlPr>
+                            </m:sSubPr>
+                            <m:e>
+                              <m:r>
+                                <a:rPr lang="en-US" b="0" i="1" smtClean="0">
+                                  <a:latin typeface="Cambria Math" panose="02040503050406030204" pitchFamily="18" charset="0"/>
+                                </a:rPr>
+                                <m:t>𝑠</m:t>
+                              </m:r>
+                            </m:e>
+                            <m:sub>
+                              <m:r>
+                                <a:rPr lang="en-US" b="0" i="1" smtClean="0">
+                                  <a:latin typeface="Cambria Math" panose="02040503050406030204" pitchFamily="18" charset="0"/>
+                                </a:rPr>
+                                <m:t>𝑡</m:t>
+                              </m:r>
+                            </m:sub>
+                          </m:sSub>
+                          <m:r>
+                            <a:rPr lang="en-US" b="0" i="1" smtClean="0">
+                              <a:latin typeface="Cambria Math" panose="02040503050406030204" pitchFamily="18" charset="0"/>
+                            </a:rPr>
+                            <m:t>,</m:t>
+                          </m:r>
+                          <m:sSub>
+                            <m:sSubPr>
+                              <m:ctrlPr>
+                                <a:rPr lang="en-US" b="0" i="1" smtClean="0">
+                                  <a:latin typeface="Cambria Math" panose="02040503050406030204" pitchFamily="18" charset="0"/>
+                                </a:rPr>
+                              </m:ctrlPr>
+                            </m:sSubPr>
+                            <m:e>
+                              <m:r>
+                                <a:rPr lang="en-US" b="0" i="1" smtClean="0">
+                                  <a:latin typeface="Cambria Math" panose="02040503050406030204" pitchFamily="18" charset="0"/>
+                                </a:rPr>
+                                <m:t>𝑎</m:t>
+                              </m:r>
+                            </m:e>
+                            <m:sub>
+                              <m:r>
+                                <a:rPr lang="en-US" b="0" i="1" smtClean="0">
+                                  <a:latin typeface="Cambria Math" panose="02040503050406030204" pitchFamily="18" charset="0"/>
+                                </a:rPr>
+                                <m:t>𝑡</m:t>
+                              </m:r>
+                            </m:sub>
+                          </m:sSub>
+                        </m:e>
+                      </m:d>
+                      <m:r>
+                        <a:rPr lang="en-US" b="0" i="1" smtClean="0">
+                          <a:latin typeface="Cambria Math" panose="02040503050406030204" pitchFamily="18" charset="0"/>
+                        </a:rPr>
+                        <m:t>+</m:t>
+                      </m:r>
+                      <m:r>
+                        <a:rPr lang="en-US" b="0" i="1" smtClean="0">
+                          <a:latin typeface="Cambria Math" panose="02040503050406030204" pitchFamily="18" charset="0"/>
+                          <a:ea typeface="Cambria Math" panose="02040503050406030204" pitchFamily="18" charset="0"/>
+                        </a:rPr>
+                        <m:t>𝛼</m:t>
+                      </m:r>
+                      <m:d>
+                        <m:dPr>
+                          <m:ctrlPr>
+                            <a:rPr lang="en-US" b="0" i="1" smtClean="0">
+                              <a:latin typeface="Cambria Math" panose="02040503050406030204" pitchFamily="18" charset="0"/>
+                              <a:ea typeface="Cambria Math" panose="02040503050406030204" pitchFamily="18" charset="0"/>
+                            </a:rPr>
+                          </m:ctrlPr>
+                        </m:dPr>
+                        <m:e>
+                          <m:sSub>
+                            <m:sSubPr>
+                              <m:ctrlPr>
+                                <a:rPr lang="en-US" b="0" i="1" smtClean="0">
+                                  <a:latin typeface="Cambria Math" panose="02040503050406030204" pitchFamily="18" charset="0"/>
+                                  <a:ea typeface="Cambria Math" panose="02040503050406030204" pitchFamily="18" charset="0"/>
+                                </a:rPr>
+                              </m:ctrlPr>
+                            </m:sSubPr>
+                            <m:e>
+                              <m:r>
+                                <a:rPr lang="en-US" b="0" i="1" smtClean="0">
+                                  <a:latin typeface="Cambria Math" panose="02040503050406030204" pitchFamily="18" charset="0"/>
+                                  <a:ea typeface="Cambria Math" panose="02040503050406030204" pitchFamily="18" charset="0"/>
+                                </a:rPr>
+                                <m:t>𝑟</m:t>
+                              </m:r>
+                            </m:e>
+                            <m:sub>
+                              <m:r>
+                                <a:rPr lang="en-US" b="0" i="1" smtClean="0">
+                                  <a:latin typeface="Cambria Math" panose="02040503050406030204" pitchFamily="18" charset="0"/>
+                                  <a:ea typeface="Cambria Math" panose="02040503050406030204" pitchFamily="18" charset="0"/>
+                                </a:rPr>
+                                <m:t>𝑡</m:t>
+                              </m:r>
+                            </m:sub>
+                          </m:sSub>
+                          <m:r>
+                            <a:rPr lang="en-US" b="0" i="1" smtClean="0">
+                              <a:latin typeface="Cambria Math" panose="02040503050406030204" pitchFamily="18" charset="0"/>
+                              <a:ea typeface="Cambria Math" panose="02040503050406030204" pitchFamily="18" charset="0"/>
+                            </a:rPr>
+                            <m:t>+</m:t>
+                          </m:r>
+                          <m:r>
+                            <a:rPr lang="en-US" b="0" i="1" smtClean="0">
+                              <a:latin typeface="Cambria Math" panose="02040503050406030204" pitchFamily="18" charset="0"/>
+                              <a:ea typeface="Cambria Math" panose="02040503050406030204" pitchFamily="18" charset="0"/>
+                            </a:rPr>
+                            <m:t>𝛾</m:t>
+                          </m:r>
+                          <m:func>
+                            <m:funcPr>
+                              <m:ctrlPr>
+                                <a:rPr lang="en-US" b="0" i="1" smtClean="0">
+                                  <a:latin typeface="Cambria Math" panose="02040503050406030204" pitchFamily="18" charset="0"/>
+                                  <a:ea typeface="Cambria Math" panose="02040503050406030204" pitchFamily="18" charset="0"/>
+                                </a:rPr>
+                              </m:ctrlPr>
+                            </m:funcPr>
+                            <m:fName>
+                              <m:r>
+                                <m:rPr>
+                                  <m:sty m:val="p"/>
+                                </m:rPr>
+                                <a:rPr lang="en-US" b="0" i="0" smtClean="0">
+                                  <a:latin typeface="Cambria Math" panose="02040503050406030204" pitchFamily="18" charset="0"/>
+                                  <a:ea typeface="Cambria Math" panose="02040503050406030204" pitchFamily="18" charset="0"/>
+                                </a:rPr>
+                                <m:t>max</m:t>
+                              </m:r>
+                            </m:fName>
+                            <m:e>
+                              <m:r>
+                                <a:rPr lang="en-US" b="0" i="1" smtClean="0">
+                                  <a:latin typeface="Cambria Math" panose="02040503050406030204" pitchFamily="18" charset="0"/>
+                                  <a:ea typeface="Cambria Math" panose="02040503050406030204" pitchFamily="18" charset="0"/>
+                                </a:rPr>
+                                <m:t>𝑄</m:t>
+                              </m:r>
+                              <m:r>
+                                <a:rPr lang="en-US" b="0" i="1" smtClean="0">
+                                  <a:latin typeface="Cambria Math" panose="02040503050406030204" pitchFamily="18" charset="0"/>
+                                  <a:ea typeface="Cambria Math" panose="02040503050406030204" pitchFamily="18" charset="0"/>
+                                </a:rPr>
+                                <m:t>(</m:t>
+                              </m:r>
+                              <m:sSub>
+                                <m:sSubPr>
+                                  <m:ctrlPr>
+                                    <a:rPr lang="en-US" b="0" i="1" smtClean="0">
+                                      <a:latin typeface="Cambria Math" panose="02040503050406030204" pitchFamily="18" charset="0"/>
+                                      <a:ea typeface="Cambria Math" panose="02040503050406030204" pitchFamily="18" charset="0"/>
+                                    </a:rPr>
+                                  </m:ctrlPr>
+                                </m:sSubPr>
+                                <m:e>
+                                  <m:r>
+                                    <a:rPr lang="en-US" b="0" i="1" smtClean="0">
+                                      <a:latin typeface="Cambria Math" panose="02040503050406030204" pitchFamily="18" charset="0"/>
+                                      <a:ea typeface="Cambria Math" panose="02040503050406030204" pitchFamily="18" charset="0"/>
+                                    </a:rPr>
+                                    <m:t>𝑠</m:t>
+                                  </m:r>
+                                </m:e>
+                                <m:sub>
+                                  <m:r>
+                                    <a:rPr lang="en-US" b="0" i="1" smtClean="0">
+                                      <a:latin typeface="Cambria Math" panose="02040503050406030204" pitchFamily="18" charset="0"/>
+                                      <a:ea typeface="Cambria Math" panose="02040503050406030204" pitchFamily="18" charset="0"/>
+                                    </a:rPr>
+                                    <m:t>𝑡</m:t>
+                                  </m:r>
+                                  <m:r>
+                                    <a:rPr lang="en-US" b="0" i="1" smtClean="0">
+                                      <a:latin typeface="Cambria Math" panose="02040503050406030204" pitchFamily="18" charset="0"/>
+                                      <a:ea typeface="Cambria Math" panose="02040503050406030204" pitchFamily="18" charset="0"/>
+                                    </a:rPr>
+                                    <m:t>+1</m:t>
+                                  </m:r>
+                                </m:sub>
+                              </m:sSub>
+                              <m:r>
+                                <a:rPr lang="en-US" b="0" i="1" smtClean="0">
+                                  <a:latin typeface="Cambria Math" panose="02040503050406030204" pitchFamily="18" charset="0"/>
+                                  <a:ea typeface="Cambria Math" panose="02040503050406030204" pitchFamily="18" charset="0"/>
+                                </a:rPr>
+                                <m:t>,</m:t>
+                              </m:r>
+                              <m:r>
+                                <a:rPr lang="en-US" b="0" i="1" smtClean="0">
+                                  <a:latin typeface="Cambria Math" panose="02040503050406030204" pitchFamily="18" charset="0"/>
+                                  <a:ea typeface="Cambria Math" panose="02040503050406030204" pitchFamily="18" charset="0"/>
+                                </a:rPr>
+                                <m:t>𝑎</m:t>
+                              </m:r>
+                            </m:e>
+                          </m:func>
+                        </m:e>
+                      </m:d>
+                    </m:oMath>
+                  </m:oMathPara>
+                </a14:m>
+                <a:endParaRPr lang="en-US" dirty="0"/>
+              </a:p>
+            </p:txBody>
+          </p:sp>
+        </mc:Choice>
+        <mc:Fallback>
+          <p:sp>
+            <p:nvSpPr>
+              <p:cNvPr id="6" name="TextBox 5">
+                <a:extLst>
+                  <a:ext uri="{FF2B5EF4-FFF2-40B4-BE49-F238E27FC236}">
+                    <a16:creationId xmlns:a16="http://schemas.microsoft.com/office/drawing/2014/main" id="{14BA8F9F-E58E-4458-9B17-894F94B63918}"/>
+                  </a:ext>
+                </a:extLst>
+              </p:cNvPr>
+              <p:cNvSpPr txBox="1">
+                <a:spLocks noRot="1" noChangeAspect="1" noMove="1" noResize="1" noEditPoints="1" noAdjustHandles="1" noChangeArrowheads="1" noChangeShapeType="1" noTextEdit="1"/>
+              </p:cNvSpPr>
+              <p:nvPr/>
+            </p:nvSpPr>
+            <p:spPr>
+              <a:xfrm>
+                <a:off x="2141255" y="6475372"/>
+                <a:ext cx="5947141" cy="307777"/>
+              </a:xfrm>
+              <a:prstGeom prst="rect">
+                <a:avLst/>
+              </a:prstGeom>
+              <a:blipFill>
+                <a:blip r:embed="rId2"/>
+                <a:stretch>
+                  <a:fillRect l="-922" t="-1961" b="-33333"/>
+                </a:stretch>
+              </a:blipFill>
+            </p:spPr>
+            <p:txBody>
+              <a:bodyPr/>
+              <a:lstStyle/>
+              <a:p>
+                <a:r>
+                  <a:rPr lang="en-US">
+                    <a:noFill/>
+                  </a:rPr>
+                  <a:t> </a:t>
+                </a:r>
+              </a:p>
+            </p:txBody>
+          </p:sp>
+        </mc:Fallback>
+      </mc:AlternateContent>
     </p:spTree>
     <p:extLst>
       <p:ext uri="{BB962C8B-B14F-4D97-AF65-F5344CB8AC3E}">
         <p14:creationId xmlns:p14="http://schemas.microsoft.com/office/powerpoint/2010/main" val="1237802957"/>
+      </p:ext>
+    </p:extLst>
+  </p:cSld>
+  <p:clrMapOvr>
+    <a:masterClrMapping/>
+  </p:clrMapOvr>
+</p:sld>
+</file>
+
+<file path=ppt/slides/slide8.xml><?xml version="1.0" encoding="utf-8"?>
+<p:sld xmlns:a="http://schemas.openxmlformats.org/drawingml/2006/main" xmlns:r="http://schemas.openxmlformats.org/officeDocument/2006/relationships" xmlns:p="http://schemas.openxmlformats.org/presentationml/2006/main">
+  <p:cSld>
+    <p:spTree>
+      <p:nvGrpSpPr>
+        <p:cNvPr id="1" name=""/>
+        <p:cNvGrpSpPr/>
+        <p:nvPr/>
+      </p:nvGrpSpPr>
+      <p:grpSpPr>
+        <a:xfrm>
+          <a:off x="0" y="0"/>
+          <a:ext cx="0" cy="0"/>
+          <a:chOff x="0" y="0"/>
+          <a:chExt cx="0" cy="0"/>
+        </a:xfrm>
+      </p:grpSpPr>
+      <p:sp>
+        <p:nvSpPr>
+          <p:cNvPr id="2" name="Title 1">
+            <a:extLst>
+              <a:ext uri="{FF2B5EF4-FFF2-40B4-BE49-F238E27FC236}">
+                <a16:creationId xmlns:a16="http://schemas.microsoft.com/office/drawing/2014/main" id="{DF658ADA-5D6F-4FE6-9C29-891CE8F21D2F}"/>
+              </a:ext>
+            </a:extLst>
+          </p:cNvPr>
+          <p:cNvSpPr>
+            <a:spLocks noGrp="1"/>
+          </p:cNvSpPr>
+          <p:nvPr>
+            <p:ph type="title"/>
+          </p:nvPr>
+        </p:nvSpPr>
+        <p:spPr/>
+        <p:txBody>
+          <a:bodyPr/>
+          <a:lstStyle/>
+          <a:p>
+            <a:r>
+              <a:rPr lang="en-US" b="1" dirty="0"/>
+              <a:t>Parameters</a:t>
+            </a:r>
+            <a:endParaRPr lang="en-US" dirty="0"/>
+          </a:p>
+        </p:txBody>
+      </p:sp>
+      <mc:AlternateContent xmlns:mc="http://schemas.openxmlformats.org/markup-compatibility/2006">
+        <mc:Choice xmlns:a14="http://schemas.microsoft.com/office/drawing/2010/main" Requires="a14">
+          <p:sp>
+            <p:nvSpPr>
+              <p:cNvPr id="3" name="Content Placeholder 2">
+                <a:extLst>
+                  <a:ext uri="{FF2B5EF4-FFF2-40B4-BE49-F238E27FC236}">
+                    <a16:creationId xmlns:a16="http://schemas.microsoft.com/office/drawing/2014/main" id="{3625CCE7-7D5A-472C-998A-045F49E926FA}"/>
+                  </a:ext>
+                </a:extLst>
+              </p:cNvPr>
+              <p:cNvSpPr>
+                <a:spLocks noGrp="1"/>
+              </p:cNvSpPr>
+              <p:nvPr>
+                <p:ph idx="1"/>
+              </p:nvPr>
+            </p:nvSpPr>
+            <p:spPr>
+              <a:xfrm>
+                <a:off x="502920" y="2347415"/>
+                <a:ext cx="9052560" cy="3302758"/>
+              </a:xfrm>
+            </p:spPr>
+            <p:txBody>
+              <a:bodyPr/>
+              <a:lstStyle/>
+              <a:p>
+                <a:pPr fontAlgn="base"/>
+                <a14:m>
+                  <m:oMath xmlns:m="http://schemas.openxmlformats.org/officeDocument/2006/math">
+                    <m:sSub>
+                      <m:sSubPr>
+                        <m:ctrlPr>
+                          <a:rPr lang="en-US" sz="3200" i="1" smtClean="0">
+                            <a:latin typeface="Cambria Math" panose="02040503050406030204" pitchFamily="18" charset="0"/>
+                            <a:ea typeface="Cambria Math" panose="02040503050406030204" pitchFamily="18" charset="0"/>
+                          </a:rPr>
+                        </m:ctrlPr>
+                      </m:sSubPr>
+                      <m:e>
+                        <m:r>
+                          <a:rPr lang="en-US" sz="3200" b="0" i="1" smtClean="0">
+                            <a:latin typeface="Cambria Math" panose="02040503050406030204" pitchFamily="18" charset="0"/>
+                            <a:ea typeface="Cambria Math" panose="02040503050406030204" pitchFamily="18" charset="0"/>
+                          </a:rPr>
+                          <m:t>𝑠</m:t>
+                        </m:r>
+                      </m:e>
+                      <m:sub>
+                        <m:r>
+                          <a:rPr lang="en-US" sz="3200" b="0" i="1" smtClean="0">
+                            <a:latin typeface="Cambria Math" panose="02040503050406030204" pitchFamily="18" charset="0"/>
+                            <a:ea typeface="Cambria Math" panose="02040503050406030204" pitchFamily="18" charset="0"/>
+                          </a:rPr>
+                          <m:t>𝑡</m:t>
+                        </m:r>
+                      </m:sub>
+                    </m:sSub>
+                  </m:oMath>
+                </a14:m>
+                <a:r>
+                  <a:rPr lang="en-US" sz="3200" i="0" dirty="0">
+                    <a:latin typeface="Cambria Math" panose="02040503050406030204" pitchFamily="18" charset="0"/>
+                    <a:ea typeface="Cambria Math" panose="02040503050406030204" pitchFamily="18" charset="0"/>
+                  </a:rPr>
+                  <a:t>: </a:t>
+                </a:r>
+                <a:r>
+                  <a:rPr lang="en-US" sz="3200" i="0" dirty="0">
+                    <a:ea typeface="Cambria Math" panose="02040503050406030204" pitchFamily="18" charset="0"/>
+                  </a:rPr>
+                  <a:t>current state</a:t>
+                </a:r>
+              </a:p>
+              <a:p>
+                <a:pPr fontAlgn="base"/>
+                <a14:m>
+                  <m:oMath xmlns:m="http://schemas.openxmlformats.org/officeDocument/2006/math">
+                    <m:sSub>
+                      <m:sSubPr>
+                        <m:ctrlPr>
+                          <a:rPr lang="en-US" sz="3200" i="1">
+                            <a:latin typeface="Cambria Math" panose="02040503050406030204" pitchFamily="18" charset="0"/>
+                            <a:ea typeface="Cambria Math" panose="02040503050406030204" pitchFamily="18" charset="0"/>
+                          </a:rPr>
+                        </m:ctrlPr>
+                      </m:sSubPr>
+                      <m:e>
+                        <m:r>
+                          <a:rPr lang="en-US" sz="3200" b="0" i="1" smtClean="0">
+                            <a:latin typeface="Cambria Math" panose="02040503050406030204" pitchFamily="18" charset="0"/>
+                            <a:ea typeface="Cambria Math" panose="02040503050406030204" pitchFamily="18" charset="0"/>
+                          </a:rPr>
+                          <m:t>𝑎</m:t>
+                        </m:r>
+                      </m:e>
+                      <m:sub>
+                        <m:r>
+                          <a:rPr lang="en-US" sz="3200" i="1">
+                            <a:latin typeface="Cambria Math" panose="02040503050406030204" pitchFamily="18" charset="0"/>
+                            <a:ea typeface="Cambria Math" panose="02040503050406030204" pitchFamily="18" charset="0"/>
+                          </a:rPr>
+                          <m:t>𝑡</m:t>
+                        </m:r>
+                      </m:sub>
+                    </m:sSub>
+                  </m:oMath>
+                </a14:m>
+                <a:r>
+                  <a:rPr lang="en-US" sz="3200" dirty="0">
+                    <a:latin typeface="Cambria Math" panose="02040503050406030204" pitchFamily="18" charset="0"/>
+                    <a:ea typeface="Cambria Math" panose="02040503050406030204" pitchFamily="18" charset="0"/>
+                  </a:rPr>
+                  <a:t>: </a:t>
+                </a:r>
+                <a:r>
+                  <a:rPr lang="en-US" sz="3200" dirty="0">
+                    <a:ea typeface="Cambria Math" panose="02040503050406030204" pitchFamily="18" charset="0"/>
+                  </a:rPr>
+                  <a:t>current action</a:t>
+                </a:r>
+              </a:p>
+              <a:p>
+                <a:pPr fontAlgn="base"/>
+                <a14:m>
+                  <m:oMath xmlns:m="http://schemas.openxmlformats.org/officeDocument/2006/math">
+                    <m:sSub>
+                      <m:sSubPr>
+                        <m:ctrlPr>
+                          <a:rPr lang="en-US" sz="3200" i="1">
+                            <a:latin typeface="Cambria Math" panose="02040503050406030204" pitchFamily="18" charset="0"/>
+                            <a:ea typeface="Cambria Math" panose="02040503050406030204" pitchFamily="18" charset="0"/>
+                          </a:rPr>
+                        </m:ctrlPr>
+                      </m:sSubPr>
+                      <m:e>
+                        <m:r>
+                          <a:rPr lang="en-US" sz="3200" b="0" i="1" smtClean="0">
+                            <a:latin typeface="Cambria Math" panose="02040503050406030204" pitchFamily="18" charset="0"/>
+                            <a:ea typeface="Cambria Math" panose="02040503050406030204" pitchFamily="18" charset="0"/>
+                          </a:rPr>
+                          <m:t>𝑟</m:t>
+                        </m:r>
+                      </m:e>
+                      <m:sub>
+                        <m:r>
+                          <a:rPr lang="en-US" sz="3200" i="1">
+                            <a:latin typeface="Cambria Math" panose="02040503050406030204" pitchFamily="18" charset="0"/>
+                            <a:ea typeface="Cambria Math" panose="02040503050406030204" pitchFamily="18" charset="0"/>
+                          </a:rPr>
+                          <m:t>𝑡</m:t>
+                        </m:r>
+                      </m:sub>
+                    </m:sSub>
+                  </m:oMath>
+                </a14:m>
+                <a:r>
+                  <a:rPr lang="en-US" sz="3200" dirty="0">
+                    <a:ea typeface="Cambria Math" panose="02040503050406030204" pitchFamily="18" charset="0"/>
+                  </a:rPr>
+                  <a:t>: reward</a:t>
+                </a:r>
+                <a:endParaRPr lang="en-US" sz="3200" i="0" dirty="0">
+                  <a:ea typeface="Cambria Math" panose="02040503050406030204" pitchFamily="18" charset="0"/>
+                </a:endParaRPr>
+              </a:p>
+              <a:p>
+                <a:pPr fontAlgn="base"/>
+                <a14:m>
+                  <m:oMath xmlns:m="http://schemas.openxmlformats.org/officeDocument/2006/math">
+                    <m:r>
+                      <m:rPr>
+                        <m:sty m:val="p"/>
+                      </m:rPr>
+                      <a:rPr lang="en-US" sz="3200" i="0" smtClean="0">
+                        <a:latin typeface="Cambria Math" panose="02040503050406030204" pitchFamily="18" charset="0"/>
+                        <a:ea typeface="Cambria Math" panose="02040503050406030204" pitchFamily="18" charset="0"/>
+                      </a:rPr>
+                      <m:t>γ</m:t>
+                    </m:r>
+                  </m:oMath>
+                </a14:m>
+                <a:r>
+                  <a:rPr lang="en-US" sz="3200" dirty="0"/>
+                  <a:t>: Discount factor</a:t>
+                </a:r>
+              </a:p>
+              <a:p>
+                <a:pPr lvl="1" fontAlgn="base"/>
+                <a:r>
+                  <a:rPr lang="en-US" sz="2700" dirty="0"/>
+                  <a:t>Weight of future reward</a:t>
+                </a:r>
+              </a:p>
+              <a:p>
+                <a:pPr fontAlgn="base"/>
+                <a14:m>
+                  <m:oMath xmlns:m="http://schemas.openxmlformats.org/officeDocument/2006/math">
+                    <m:r>
+                      <m:rPr>
+                        <m:sty m:val="p"/>
+                      </m:rPr>
+                      <a:rPr lang="en-US" sz="3200" i="0" smtClean="0">
+                        <a:latin typeface="Cambria Math" panose="02040503050406030204" pitchFamily="18" charset="0"/>
+                        <a:ea typeface="Cambria Math" panose="02040503050406030204" pitchFamily="18" charset="0"/>
+                      </a:rPr>
+                      <m:t>α</m:t>
+                    </m:r>
+                  </m:oMath>
+                </a14:m>
+                <a:r>
+                  <a:rPr lang="en-US" sz="3200" dirty="0"/>
+                  <a:t>: Learning rate</a:t>
+                </a:r>
+              </a:p>
+              <a:p>
+                <a:pPr lvl="1" fontAlgn="base"/>
+                <a:r>
+                  <a:rPr lang="en-US" sz="2700" dirty="0"/>
+                  <a:t>Rate at which the new </a:t>
+                </a:r>
+                <a:r>
+                  <a:rPr lang="en-US" sz="2700" i="1" dirty="0"/>
+                  <a:t>q</a:t>
+                </a:r>
+                <a:r>
+                  <a:rPr lang="en-US" sz="2700" dirty="0"/>
+                  <a:t> values override </a:t>
+                </a:r>
+              </a:p>
+            </p:txBody>
+          </p:sp>
+        </mc:Choice>
+        <mc:Fallback>
+          <p:sp>
+            <p:nvSpPr>
+              <p:cNvPr id="3" name="Content Placeholder 2">
+                <a:extLst>
+                  <a:ext uri="{FF2B5EF4-FFF2-40B4-BE49-F238E27FC236}">
+                    <a16:creationId xmlns:a16="http://schemas.microsoft.com/office/drawing/2014/main" id="{3625CCE7-7D5A-472C-998A-045F49E926FA}"/>
+                  </a:ext>
+                </a:extLst>
+              </p:cNvPr>
+              <p:cNvSpPr>
+                <a:spLocks noGrp="1" noRot="1" noChangeAspect="1" noMove="1" noResize="1" noEditPoints="1" noAdjustHandles="1" noChangeArrowheads="1" noChangeShapeType="1" noTextEdit="1"/>
+              </p:cNvSpPr>
+              <p:nvPr>
+                <p:ph idx="1"/>
+              </p:nvPr>
+            </p:nvSpPr>
+            <p:spPr>
+              <a:xfrm>
+                <a:off x="502920" y="2347415"/>
+                <a:ext cx="9052560" cy="3302758"/>
+              </a:xfrm>
+              <a:blipFill>
+                <a:blip r:embed="rId2"/>
+                <a:stretch>
+                  <a:fillRect t="-2583" b="-23247"/>
+                </a:stretch>
+              </a:blipFill>
+            </p:spPr>
+            <p:txBody>
+              <a:bodyPr/>
+              <a:lstStyle/>
+              <a:p>
+                <a:r>
+                  <a:rPr lang="en-US">
+                    <a:noFill/>
+                  </a:rPr>
+                  <a:t> </a:t>
+                </a:r>
+              </a:p>
+            </p:txBody>
+          </p:sp>
+        </mc:Fallback>
+      </mc:AlternateContent>
+      <p:sp>
+        <p:nvSpPr>
+          <p:cNvPr id="4" name="Slide Number Placeholder 3">
+            <a:extLst>
+              <a:ext uri="{FF2B5EF4-FFF2-40B4-BE49-F238E27FC236}">
+                <a16:creationId xmlns:a16="http://schemas.microsoft.com/office/drawing/2014/main" id="{0C8B2B10-DBF1-4874-B7A2-95A903EF9687}"/>
+              </a:ext>
+            </a:extLst>
+          </p:cNvPr>
+          <p:cNvSpPr>
+            <a:spLocks noGrp="1"/>
+          </p:cNvSpPr>
+          <p:nvPr>
+            <p:ph type="sldNum" sz="quarter" idx="4"/>
+          </p:nvPr>
+        </p:nvSpPr>
+        <p:spPr/>
+        <p:txBody>
+          <a:bodyPr/>
+          <a:lstStyle/>
+          <a:p>
+            <a:fld id="{D1D6D637-7578-4CD7-949F-EB88750F0CF0}" type="slidenum">
+              <a:rPr lang="en-US" smtClean="0"/>
+              <a:pPr/>
+              <a:t>8</a:t>
+            </a:fld>
+            <a:endParaRPr lang="en-US" dirty="0"/>
+          </a:p>
+        </p:txBody>
+      </p:sp>
+      <mc:AlternateContent xmlns:mc="http://schemas.openxmlformats.org/markup-compatibility/2006">
+        <mc:Choice xmlns:a14="http://schemas.microsoft.com/office/drawing/2010/main" Requires="a14">
+          <p:sp>
+            <p:nvSpPr>
+              <p:cNvPr id="5" name="TextBox 4">
+                <a:extLst>
+                  <a:ext uri="{FF2B5EF4-FFF2-40B4-BE49-F238E27FC236}">
+                    <a16:creationId xmlns:a16="http://schemas.microsoft.com/office/drawing/2014/main" id="{BED1B1D0-BDD6-41B9-B047-A02F5EDD5D86}"/>
+                  </a:ext>
+                </a:extLst>
+              </p:cNvPr>
+              <p:cNvSpPr txBox="1"/>
+              <p:nvPr/>
+            </p:nvSpPr>
+            <p:spPr>
+              <a:xfrm>
+                <a:off x="867708" y="1501913"/>
+                <a:ext cx="8472063" cy="430887"/>
+              </a:xfrm>
+              <a:prstGeom prst="rect">
+                <a:avLst/>
+              </a:prstGeom>
+              <a:noFill/>
+            </p:spPr>
+            <p:txBody>
+              <a:bodyPr wrap="none" lIns="0" tIns="0" rIns="0" bIns="0" rtlCol="0">
+                <a:spAutoFit/>
+              </a:bodyPr>
+              <a:lstStyle/>
+              <a:p>
+                <a14:m>
+                  <m:oMathPara xmlns:m="http://schemas.openxmlformats.org/officeDocument/2006/math">
+                    <m:oMathParaPr>
+                      <m:jc m:val="centerGroup"/>
+                    </m:oMathParaPr>
+                    <m:oMath xmlns:m="http://schemas.openxmlformats.org/officeDocument/2006/math">
+                      <m:r>
+                        <a:rPr lang="en-US" sz="2800" b="0" i="1" smtClean="0">
+                          <a:latin typeface="Cambria Math" panose="02040503050406030204" pitchFamily="18" charset="0"/>
+                        </a:rPr>
+                        <m:t>𝑄</m:t>
+                      </m:r>
+                      <m:d>
+                        <m:dPr>
+                          <m:ctrlPr>
+                            <a:rPr lang="en-US" sz="2800" b="0" i="1" smtClean="0">
+                              <a:latin typeface="Cambria Math" panose="02040503050406030204" pitchFamily="18" charset="0"/>
+                            </a:rPr>
+                          </m:ctrlPr>
+                        </m:dPr>
+                        <m:e>
+                          <m:sSub>
+                            <m:sSubPr>
+                              <m:ctrlPr>
+                                <a:rPr lang="en-US" sz="2800" b="0" i="1" smtClean="0">
+                                  <a:latin typeface="Cambria Math" panose="02040503050406030204" pitchFamily="18" charset="0"/>
+                                </a:rPr>
+                              </m:ctrlPr>
+                            </m:sSubPr>
+                            <m:e>
+                              <m:r>
+                                <a:rPr lang="en-US" sz="2800" b="0" i="1" smtClean="0">
+                                  <a:latin typeface="Cambria Math" panose="02040503050406030204" pitchFamily="18" charset="0"/>
+                                </a:rPr>
+                                <m:t>𝑠</m:t>
+                              </m:r>
+                            </m:e>
+                            <m:sub>
+                              <m:r>
+                                <a:rPr lang="en-US" sz="2800" b="0" i="1" smtClean="0">
+                                  <a:latin typeface="Cambria Math" panose="02040503050406030204" pitchFamily="18" charset="0"/>
+                                </a:rPr>
+                                <m:t>𝑡</m:t>
+                              </m:r>
+                            </m:sub>
+                          </m:sSub>
+                          <m:r>
+                            <a:rPr lang="en-US" sz="2800" b="0" i="1" smtClean="0">
+                              <a:latin typeface="Cambria Math" panose="02040503050406030204" pitchFamily="18" charset="0"/>
+                            </a:rPr>
+                            <m:t>,</m:t>
+                          </m:r>
+                          <m:sSub>
+                            <m:sSubPr>
+                              <m:ctrlPr>
+                                <a:rPr lang="en-US" sz="2800" b="0" i="1" smtClean="0">
+                                  <a:latin typeface="Cambria Math" panose="02040503050406030204" pitchFamily="18" charset="0"/>
+                                </a:rPr>
+                              </m:ctrlPr>
+                            </m:sSubPr>
+                            <m:e>
+                              <m:r>
+                                <a:rPr lang="en-US" sz="2800" b="0" i="1" smtClean="0">
+                                  <a:latin typeface="Cambria Math" panose="02040503050406030204" pitchFamily="18" charset="0"/>
+                                </a:rPr>
+                                <m:t>𝑎</m:t>
+                              </m:r>
+                            </m:e>
+                            <m:sub>
+                              <m:r>
+                                <a:rPr lang="en-US" sz="2800" b="0" i="1" smtClean="0">
+                                  <a:latin typeface="Cambria Math" panose="02040503050406030204" pitchFamily="18" charset="0"/>
+                                </a:rPr>
+                                <m:t>𝑡</m:t>
+                              </m:r>
+                            </m:sub>
+                          </m:sSub>
+                        </m:e>
+                      </m:d>
+                      <m:r>
+                        <a:rPr lang="en-US" sz="2800" b="0" i="1" smtClean="0">
+                          <a:latin typeface="Cambria Math" panose="02040503050406030204" pitchFamily="18" charset="0"/>
+                        </a:rPr>
+                        <m:t>=</m:t>
+                      </m:r>
+                      <m:d>
+                        <m:dPr>
+                          <m:ctrlPr>
+                            <a:rPr lang="en-US" sz="2800" b="0" i="1" smtClean="0">
+                              <a:latin typeface="Cambria Math" panose="02040503050406030204" pitchFamily="18" charset="0"/>
+                            </a:rPr>
+                          </m:ctrlPr>
+                        </m:dPr>
+                        <m:e>
+                          <m:r>
+                            <a:rPr lang="en-US" sz="2800" b="0" i="1" smtClean="0">
+                              <a:latin typeface="Cambria Math" panose="02040503050406030204" pitchFamily="18" charset="0"/>
+                            </a:rPr>
+                            <m:t>1−</m:t>
+                          </m:r>
+                          <m:r>
+                            <a:rPr lang="en-US" sz="2800" b="0" i="1" smtClean="0">
+                              <a:latin typeface="Cambria Math" panose="02040503050406030204" pitchFamily="18" charset="0"/>
+                              <a:ea typeface="Cambria Math" panose="02040503050406030204" pitchFamily="18" charset="0"/>
+                            </a:rPr>
+                            <m:t>𝛼</m:t>
+                          </m:r>
+                        </m:e>
+                      </m:d>
+                      <m:r>
+                        <a:rPr lang="en-US" sz="2800" i="1">
+                          <a:latin typeface="Cambria Math" panose="02040503050406030204" pitchFamily="18" charset="0"/>
+                        </a:rPr>
+                        <m:t>𝑄</m:t>
+                      </m:r>
+                      <m:d>
+                        <m:dPr>
+                          <m:ctrlPr>
+                            <a:rPr lang="en-US" sz="2800" b="0" i="1" smtClean="0">
+                              <a:latin typeface="Cambria Math" panose="02040503050406030204" pitchFamily="18" charset="0"/>
+                            </a:rPr>
+                          </m:ctrlPr>
+                        </m:dPr>
+                        <m:e>
+                          <m:sSub>
+                            <m:sSubPr>
+                              <m:ctrlPr>
+                                <a:rPr lang="en-US" sz="2800" b="0" i="1" smtClean="0">
+                                  <a:latin typeface="Cambria Math" panose="02040503050406030204" pitchFamily="18" charset="0"/>
+                                </a:rPr>
+                              </m:ctrlPr>
+                            </m:sSubPr>
+                            <m:e>
+                              <m:r>
+                                <a:rPr lang="en-US" sz="2800" b="0" i="1" smtClean="0">
+                                  <a:latin typeface="Cambria Math" panose="02040503050406030204" pitchFamily="18" charset="0"/>
+                                </a:rPr>
+                                <m:t>𝑠</m:t>
+                              </m:r>
+                            </m:e>
+                            <m:sub>
+                              <m:r>
+                                <a:rPr lang="en-US" sz="2800" b="0" i="1" smtClean="0">
+                                  <a:latin typeface="Cambria Math" panose="02040503050406030204" pitchFamily="18" charset="0"/>
+                                </a:rPr>
+                                <m:t>𝑡</m:t>
+                              </m:r>
+                            </m:sub>
+                          </m:sSub>
+                          <m:r>
+                            <a:rPr lang="en-US" sz="2800" b="0" i="1" smtClean="0">
+                              <a:latin typeface="Cambria Math" panose="02040503050406030204" pitchFamily="18" charset="0"/>
+                            </a:rPr>
+                            <m:t>,</m:t>
+                          </m:r>
+                          <m:sSub>
+                            <m:sSubPr>
+                              <m:ctrlPr>
+                                <a:rPr lang="en-US" sz="2800" b="0" i="1" smtClean="0">
+                                  <a:latin typeface="Cambria Math" panose="02040503050406030204" pitchFamily="18" charset="0"/>
+                                </a:rPr>
+                              </m:ctrlPr>
+                            </m:sSubPr>
+                            <m:e>
+                              <m:r>
+                                <a:rPr lang="en-US" sz="2800" b="0" i="1" smtClean="0">
+                                  <a:latin typeface="Cambria Math" panose="02040503050406030204" pitchFamily="18" charset="0"/>
+                                </a:rPr>
+                                <m:t>𝑎</m:t>
+                              </m:r>
+                            </m:e>
+                            <m:sub>
+                              <m:r>
+                                <a:rPr lang="en-US" sz="2800" b="0" i="1" smtClean="0">
+                                  <a:latin typeface="Cambria Math" panose="02040503050406030204" pitchFamily="18" charset="0"/>
+                                </a:rPr>
+                                <m:t>𝑡</m:t>
+                              </m:r>
+                            </m:sub>
+                          </m:sSub>
+                        </m:e>
+                      </m:d>
+                      <m:r>
+                        <a:rPr lang="en-US" sz="2800" b="0" i="1" smtClean="0">
+                          <a:latin typeface="Cambria Math" panose="02040503050406030204" pitchFamily="18" charset="0"/>
+                        </a:rPr>
+                        <m:t>+</m:t>
+                      </m:r>
+                      <m:r>
+                        <a:rPr lang="en-US" sz="2800" b="0" i="1" smtClean="0">
+                          <a:latin typeface="Cambria Math" panose="02040503050406030204" pitchFamily="18" charset="0"/>
+                          <a:ea typeface="Cambria Math" panose="02040503050406030204" pitchFamily="18" charset="0"/>
+                        </a:rPr>
+                        <m:t>𝛼</m:t>
+                      </m:r>
+                      <m:d>
+                        <m:dPr>
+                          <m:ctrlPr>
+                            <a:rPr lang="en-US" sz="2800" b="0" i="1" smtClean="0">
+                              <a:latin typeface="Cambria Math" panose="02040503050406030204" pitchFamily="18" charset="0"/>
+                              <a:ea typeface="Cambria Math" panose="02040503050406030204" pitchFamily="18" charset="0"/>
+                            </a:rPr>
+                          </m:ctrlPr>
+                        </m:dPr>
+                        <m:e>
+                          <m:sSub>
+                            <m:sSubPr>
+                              <m:ctrlPr>
+                                <a:rPr lang="en-US" sz="2800" b="0" i="1" smtClean="0">
+                                  <a:latin typeface="Cambria Math" panose="02040503050406030204" pitchFamily="18" charset="0"/>
+                                  <a:ea typeface="Cambria Math" panose="02040503050406030204" pitchFamily="18" charset="0"/>
+                                </a:rPr>
+                              </m:ctrlPr>
+                            </m:sSubPr>
+                            <m:e>
+                              <m:r>
+                                <a:rPr lang="en-US" sz="2800" b="0" i="1" smtClean="0">
+                                  <a:latin typeface="Cambria Math" panose="02040503050406030204" pitchFamily="18" charset="0"/>
+                                  <a:ea typeface="Cambria Math" panose="02040503050406030204" pitchFamily="18" charset="0"/>
+                                </a:rPr>
+                                <m:t>𝑟</m:t>
+                              </m:r>
+                            </m:e>
+                            <m:sub>
+                              <m:r>
+                                <a:rPr lang="en-US" sz="2800" b="0" i="1" smtClean="0">
+                                  <a:latin typeface="Cambria Math" panose="02040503050406030204" pitchFamily="18" charset="0"/>
+                                  <a:ea typeface="Cambria Math" panose="02040503050406030204" pitchFamily="18" charset="0"/>
+                                </a:rPr>
+                                <m:t>𝑡</m:t>
+                              </m:r>
+                            </m:sub>
+                          </m:sSub>
+                          <m:r>
+                            <a:rPr lang="en-US" sz="2800" b="0" i="1" smtClean="0">
+                              <a:latin typeface="Cambria Math" panose="02040503050406030204" pitchFamily="18" charset="0"/>
+                              <a:ea typeface="Cambria Math" panose="02040503050406030204" pitchFamily="18" charset="0"/>
+                            </a:rPr>
+                            <m:t>+</m:t>
+                          </m:r>
+                          <m:r>
+                            <a:rPr lang="en-US" sz="2800" b="0" i="1" smtClean="0">
+                              <a:latin typeface="Cambria Math" panose="02040503050406030204" pitchFamily="18" charset="0"/>
+                              <a:ea typeface="Cambria Math" panose="02040503050406030204" pitchFamily="18" charset="0"/>
+                            </a:rPr>
+                            <m:t>𝛾</m:t>
+                          </m:r>
+                          <m:func>
+                            <m:funcPr>
+                              <m:ctrlPr>
+                                <a:rPr lang="en-US" sz="2800" b="0" i="1" smtClean="0">
+                                  <a:latin typeface="Cambria Math" panose="02040503050406030204" pitchFamily="18" charset="0"/>
+                                  <a:ea typeface="Cambria Math" panose="02040503050406030204" pitchFamily="18" charset="0"/>
+                                </a:rPr>
+                              </m:ctrlPr>
+                            </m:funcPr>
+                            <m:fName>
+                              <m:r>
+                                <m:rPr>
+                                  <m:sty m:val="p"/>
+                                </m:rPr>
+                                <a:rPr lang="en-US" sz="2800" b="0" i="0" smtClean="0">
+                                  <a:latin typeface="Cambria Math" panose="02040503050406030204" pitchFamily="18" charset="0"/>
+                                  <a:ea typeface="Cambria Math" panose="02040503050406030204" pitchFamily="18" charset="0"/>
+                                </a:rPr>
+                                <m:t>max</m:t>
+                              </m:r>
+                            </m:fName>
+                            <m:e>
+                              <m:r>
+                                <a:rPr lang="en-US" sz="2800" b="0" i="1" smtClean="0">
+                                  <a:latin typeface="Cambria Math" panose="02040503050406030204" pitchFamily="18" charset="0"/>
+                                  <a:ea typeface="Cambria Math" panose="02040503050406030204" pitchFamily="18" charset="0"/>
+                                </a:rPr>
+                                <m:t>𝑄</m:t>
+                              </m:r>
+                              <m:r>
+                                <a:rPr lang="en-US" sz="2800" b="0" i="1" smtClean="0">
+                                  <a:latin typeface="Cambria Math" panose="02040503050406030204" pitchFamily="18" charset="0"/>
+                                  <a:ea typeface="Cambria Math" panose="02040503050406030204" pitchFamily="18" charset="0"/>
+                                </a:rPr>
+                                <m:t>(</m:t>
+                              </m:r>
+                              <m:sSub>
+                                <m:sSubPr>
+                                  <m:ctrlPr>
+                                    <a:rPr lang="en-US" sz="2800" b="0" i="1" smtClean="0">
+                                      <a:latin typeface="Cambria Math" panose="02040503050406030204" pitchFamily="18" charset="0"/>
+                                      <a:ea typeface="Cambria Math" panose="02040503050406030204" pitchFamily="18" charset="0"/>
+                                    </a:rPr>
+                                  </m:ctrlPr>
+                                </m:sSubPr>
+                                <m:e>
+                                  <m:r>
+                                    <a:rPr lang="en-US" sz="2800" b="0" i="1" smtClean="0">
+                                      <a:latin typeface="Cambria Math" panose="02040503050406030204" pitchFamily="18" charset="0"/>
+                                      <a:ea typeface="Cambria Math" panose="02040503050406030204" pitchFamily="18" charset="0"/>
+                                    </a:rPr>
+                                    <m:t>𝑠</m:t>
+                                  </m:r>
+                                </m:e>
+                                <m:sub>
+                                  <m:r>
+                                    <a:rPr lang="en-US" sz="2800" b="0" i="1" smtClean="0">
+                                      <a:latin typeface="Cambria Math" panose="02040503050406030204" pitchFamily="18" charset="0"/>
+                                      <a:ea typeface="Cambria Math" panose="02040503050406030204" pitchFamily="18" charset="0"/>
+                                    </a:rPr>
+                                    <m:t>𝑡</m:t>
+                                  </m:r>
+                                  <m:r>
+                                    <a:rPr lang="en-US" sz="2800" b="0" i="1" smtClean="0">
+                                      <a:latin typeface="Cambria Math" panose="02040503050406030204" pitchFamily="18" charset="0"/>
+                                      <a:ea typeface="Cambria Math" panose="02040503050406030204" pitchFamily="18" charset="0"/>
+                                    </a:rPr>
+                                    <m:t>+1</m:t>
+                                  </m:r>
+                                </m:sub>
+                              </m:sSub>
+                              <m:r>
+                                <a:rPr lang="en-US" sz="2800" b="0" i="1" smtClean="0">
+                                  <a:latin typeface="Cambria Math" panose="02040503050406030204" pitchFamily="18" charset="0"/>
+                                  <a:ea typeface="Cambria Math" panose="02040503050406030204" pitchFamily="18" charset="0"/>
+                                </a:rPr>
+                                <m:t>,</m:t>
+                              </m:r>
+                              <m:r>
+                                <a:rPr lang="en-US" sz="2800" b="0" i="1" smtClean="0">
+                                  <a:latin typeface="Cambria Math" panose="02040503050406030204" pitchFamily="18" charset="0"/>
+                                  <a:ea typeface="Cambria Math" panose="02040503050406030204" pitchFamily="18" charset="0"/>
+                                </a:rPr>
+                                <m:t>𝑎</m:t>
+                              </m:r>
+                              <m:r>
+                                <a:rPr lang="en-US" sz="2800" b="0" i="1" smtClean="0">
+                                  <a:latin typeface="Cambria Math" panose="02040503050406030204" pitchFamily="18" charset="0"/>
+                                  <a:ea typeface="Cambria Math" panose="02040503050406030204" pitchFamily="18" charset="0"/>
+                                </a:rPr>
+                                <m:t>)</m:t>
+                              </m:r>
+                            </m:e>
+                          </m:func>
+                        </m:e>
+                      </m:d>
+                    </m:oMath>
+                  </m:oMathPara>
+                </a14:m>
+                <a:endParaRPr lang="en-US" sz="2800" dirty="0"/>
+              </a:p>
+            </p:txBody>
+          </p:sp>
+        </mc:Choice>
+        <mc:Fallback>
+          <p:sp>
+            <p:nvSpPr>
+              <p:cNvPr id="5" name="TextBox 4">
+                <a:extLst>
+                  <a:ext uri="{FF2B5EF4-FFF2-40B4-BE49-F238E27FC236}">
+                    <a16:creationId xmlns:a16="http://schemas.microsoft.com/office/drawing/2014/main" id="{BED1B1D0-BDD6-41B9-B047-A02F5EDD5D86}"/>
+                  </a:ext>
+                </a:extLst>
+              </p:cNvPr>
+              <p:cNvSpPr txBox="1">
+                <a:spLocks noRot="1" noChangeAspect="1" noMove="1" noResize="1" noEditPoints="1" noAdjustHandles="1" noChangeArrowheads="1" noChangeShapeType="1" noTextEdit="1"/>
+              </p:cNvSpPr>
+              <p:nvPr/>
+            </p:nvSpPr>
+            <p:spPr>
+              <a:xfrm>
+                <a:off x="867708" y="1501913"/>
+                <a:ext cx="8472063" cy="430887"/>
+              </a:xfrm>
+              <a:prstGeom prst="rect">
+                <a:avLst/>
+              </a:prstGeom>
+              <a:blipFill>
+                <a:blip r:embed="rId3"/>
+                <a:stretch>
+                  <a:fillRect/>
+                </a:stretch>
+              </a:blipFill>
+            </p:spPr>
+            <p:txBody>
+              <a:bodyPr/>
+              <a:lstStyle/>
+              <a:p>
+                <a:r>
+                  <a:rPr lang="en-US">
+                    <a:noFill/>
+                  </a:rPr>
+                  <a:t> </a:t>
+                </a:r>
+              </a:p>
+            </p:txBody>
+          </p:sp>
+        </mc:Fallback>
+      </mc:AlternateContent>
+    </p:spTree>
+    <p:extLst>
+      <p:ext uri="{BB962C8B-B14F-4D97-AF65-F5344CB8AC3E}">
+        <p14:creationId xmlns:p14="http://schemas.microsoft.com/office/powerpoint/2010/main" val="147009384"/>
+      </p:ext>
+    </p:extLst>
+  </p:cSld>
+  <p:clrMapOvr>
+    <a:masterClrMapping/>
+  </p:clrMapOvr>
+</p:sld>
+</file>
+
+<file path=ppt/slides/slide9.xml><?xml version="1.0" encoding="utf-8"?>
+<p:sld xmlns:a="http://schemas.openxmlformats.org/drawingml/2006/main" xmlns:r="http://schemas.openxmlformats.org/officeDocument/2006/relationships" xmlns:p="http://schemas.openxmlformats.org/presentationml/2006/main">
+  <p:cSld>
+    <p:spTree>
+      <p:nvGrpSpPr>
+        <p:cNvPr id="1" name=""/>
+        <p:cNvGrpSpPr/>
+        <p:nvPr/>
+      </p:nvGrpSpPr>
+      <p:grpSpPr>
+        <a:xfrm>
+          <a:off x="0" y="0"/>
+          <a:ext cx="0" cy="0"/>
+          <a:chOff x="0" y="0"/>
+          <a:chExt cx="0" cy="0"/>
+        </a:xfrm>
+      </p:grpSpPr>
+      <p:sp>
+        <p:nvSpPr>
+          <p:cNvPr id="2" name="Title 1">
+            <a:extLst>
+              <a:ext uri="{FF2B5EF4-FFF2-40B4-BE49-F238E27FC236}">
+                <a16:creationId xmlns:a16="http://schemas.microsoft.com/office/drawing/2014/main" id="{B85D5DA2-400E-4E41-8080-CE61A044C5E5}"/>
+              </a:ext>
+            </a:extLst>
+          </p:cNvPr>
+          <p:cNvSpPr>
+            <a:spLocks noGrp="1"/>
+          </p:cNvSpPr>
+          <p:nvPr>
+            <p:ph type="title"/>
+          </p:nvPr>
+        </p:nvSpPr>
+        <p:spPr/>
+        <p:txBody>
+          <a:bodyPr/>
+          <a:lstStyle/>
+          <a:p>
+            <a:r>
+              <a:rPr lang="en-US" b="1" dirty="0"/>
+              <a:t>Pros</a:t>
+            </a:r>
+          </a:p>
+        </p:txBody>
+      </p:sp>
+      <p:sp>
+        <p:nvSpPr>
+          <p:cNvPr id="3" name="Content Placeholder 2">
+            <a:extLst>
+              <a:ext uri="{FF2B5EF4-FFF2-40B4-BE49-F238E27FC236}">
+                <a16:creationId xmlns:a16="http://schemas.microsoft.com/office/drawing/2014/main" id="{51899E84-7C7C-418F-95CF-E6452A473AF9}"/>
+              </a:ext>
+            </a:extLst>
+          </p:cNvPr>
+          <p:cNvSpPr>
+            <a:spLocks noGrp="1"/>
+          </p:cNvSpPr>
+          <p:nvPr>
+            <p:ph idx="1"/>
+          </p:nvPr>
+        </p:nvSpPr>
+        <p:spPr>
+          <a:xfrm>
+            <a:off x="502920" y="1103877"/>
+            <a:ext cx="9052560" cy="2564712"/>
+          </a:xfrm>
+        </p:spPr>
+        <p:txBody>
+          <a:bodyPr/>
+          <a:lstStyle/>
+          <a:p>
+            <a:r>
+              <a:rPr lang="en-US" dirty="0"/>
+              <a:t>Model-free reinforcement learning</a:t>
+            </a:r>
+          </a:p>
+          <a:p>
+            <a:r>
+              <a:rPr lang="en-US" dirty="0"/>
+              <a:t>Provably converges to find an optimal policy for any finite Markov decision process. </a:t>
+            </a:r>
+          </a:p>
+          <a:p>
+            <a:r>
+              <a:rPr lang="en-US" dirty="0"/>
+              <a:t>Computationally low complexity</a:t>
+            </a:r>
+          </a:p>
+          <a:p>
+            <a:pPr marL="0" indent="0">
+              <a:buNone/>
+            </a:pPr>
+            <a:endParaRPr lang="en-US" dirty="0"/>
+          </a:p>
+          <a:p>
+            <a:pPr marL="0" indent="0">
+              <a:buNone/>
+            </a:pPr>
+            <a:endParaRPr lang="en-US" dirty="0"/>
+          </a:p>
+        </p:txBody>
+      </p:sp>
+      <p:sp>
+        <p:nvSpPr>
+          <p:cNvPr id="4" name="Slide Number Placeholder 3">
+            <a:extLst>
+              <a:ext uri="{FF2B5EF4-FFF2-40B4-BE49-F238E27FC236}">
+                <a16:creationId xmlns:a16="http://schemas.microsoft.com/office/drawing/2014/main" id="{1A001071-2C5A-4B24-BEA6-58D0AAC4387D}"/>
+              </a:ext>
+            </a:extLst>
+          </p:cNvPr>
+          <p:cNvSpPr>
+            <a:spLocks noGrp="1"/>
+          </p:cNvSpPr>
+          <p:nvPr>
+            <p:ph type="sldNum" sz="quarter" idx="4"/>
+          </p:nvPr>
+        </p:nvSpPr>
+        <p:spPr/>
+        <p:txBody>
+          <a:bodyPr/>
+          <a:lstStyle/>
+          <a:p>
+            <a:fld id="{D1D6D637-7578-4CD7-949F-EB88750F0CF0}" type="slidenum">
+              <a:rPr lang="en-US" smtClean="0"/>
+              <a:pPr/>
+              <a:t>9</a:t>
+            </a:fld>
+            <a:endParaRPr lang="en-US" dirty="0"/>
+          </a:p>
+        </p:txBody>
+      </p:sp>
+      <p:sp>
+        <p:nvSpPr>
+          <p:cNvPr id="5" name="Title 1">
+            <a:extLst>
+              <a:ext uri="{FF2B5EF4-FFF2-40B4-BE49-F238E27FC236}">
+                <a16:creationId xmlns:a16="http://schemas.microsoft.com/office/drawing/2014/main" id="{47354768-FA6F-4253-81F8-4874BB369652}"/>
+              </a:ext>
+            </a:extLst>
+          </p:cNvPr>
+          <p:cNvSpPr txBox="1">
+            <a:spLocks/>
+          </p:cNvSpPr>
+          <p:nvPr/>
+        </p:nvSpPr>
+        <p:spPr>
+          <a:xfrm>
+            <a:off x="502920" y="3668588"/>
+            <a:ext cx="9052560" cy="1295400"/>
+          </a:xfrm>
+          <a:prstGeom prst="rect">
+            <a:avLst/>
+          </a:prstGeom>
+        </p:spPr>
+        <p:txBody>
+          <a:bodyPr lIns="101882" tIns="50941" rIns="101882" bIns="50941"/>
+          <a:lstStyle>
+            <a:lvl1pPr algn="ctr" defTabSz="509412" rtl="0" eaLnBrk="1" latinLnBrk="0" hangingPunct="1">
+              <a:spcBef>
+                <a:spcPct val="0"/>
+              </a:spcBef>
+              <a:buNone/>
+              <a:defRPr sz="4900" kern="1200">
+                <a:solidFill>
+                  <a:schemeClr val="tx1"/>
+                </a:solidFill>
+                <a:latin typeface="+mj-lt"/>
+                <a:ea typeface="+mj-ea"/>
+                <a:cs typeface="+mj-cs"/>
+              </a:defRPr>
+            </a:lvl1pPr>
+          </a:lstStyle>
+          <a:p>
+            <a:r>
+              <a:rPr lang="en-US" b="1" dirty="0"/>
+              <a:t>Cons</a:t>
+            </a:r>
+          </a:p>
+        </p:txBody>
+      </p:sp>
+      <p:sp>
+        <p:nvSpPr>
+          <p:cNvPr id="7" name="Content Placeholder 2">
+            <a:extLst>
+              <a:ext uri="{FF2B5EF4-FFF2-40B4-BE49-F238E27FC236}">
+                <a16:creationId xmlns:a16="http://schemas.microsoft.com/office/drawing/2014/main" id="{78965568-1390-4D89-9D7C-E62DE4382A6A}"/>
+              </a:ext>
+            </a:extLst>
+          </p:cNvPr>
+          <p:cNvSpPr txBox="1">
+            <a:spLocks/>
+          </p:cNvSpPr>
+          <p:nvPr/>
+        </p:nvSpPr>
+        <p:spPr>
+          <a:xfrm>
+            <a:off x="502920" y="4544704"/>
+            <a:ext cx="9204960" cy="1840997"/>
+          </a:xfrm>
+          <a:prstGeom prst="rect">
+            <a:avLst/>
+          </a:prstGeom>
+        </p:spPr>
+        <p:txBody>
+          <a:bodyPr lIns="101882" tIns="50941" rIns="101882" bIns="50941"/>
+          <a:lstStyle>
+            <a:lvl1pPr marL="382059" indent="-382059" algn="l" defTabSz="509412" rtl="0" eaLnBrk="1" latinLnBrk="0" hangingPunct="1">
+              <a:spcBef>
+                <a:spcPct val="20000"/>
+              </a:spcBef>
+              <a:buFont typeface="Arial"/>
+              <a:buChar char="•"/>
+              <a:defRPr sz="3600" kern="1200">
+                <a:solidFill>
+                  <a:schemeClr val="tx1"/>
+                </a:solidFill>
+                <a:latin typeface="+mn-lt"/>
+                <a:ea typeface="+mn-ea"/>
+                <a:cs typeface="+mn-cs"/>
+              </a:defRPr>
+            </a:lvl1pPr>
+            <a:lvl2pPr marL="827795" indent="-318383" algn="l" defTabSz="509412" rtl="0" eaLnBrk="1" latinLnBrk="0" hangingPunct="1">
+              <a:spcBef>
+                <a:spcPct val="20000"/>
+              </a:spcBef>
+              <a:buFont typeface="Arial"/>
+              <a:buChar char="–"/>
+              <a:defRPr sz="3100" kern="1200">
+                <a:solidFill>
+                  <a:schemeClr val="tx1"/>
+                </a:solidFill>
+                <a:latin typeface="+mn-lt"/>
+                <a:ea typeface="+mn-ea"/>
+                <a:cs typeface="+mn-cs"/>
+              </a:defRPr>
+            </a:lvl2pPr>
+            <a:lvl3pPr marL="1273531" indent="-254706" algn="l" defTabSz="509412" rtl="0" eaLnBrk="1" latinLnBrk="0" hangingPunct="1">
+              <a:spcBef>
+                <a:spcPct val="20000"/>
+              </a:spcBef>
+              <a:buFont typeface="Arial"/>
+              <a:buChar char="•"/>
+              <a:defRPr sz="2700" kern="1200">
+                <a:solidFill>
+                  <a:schemeClr val="tx1"/>
+                </a:solidFill>
+                <a:latin typeface="+mn-lt"/>
+                <a:ea typeface="+mn-ea"/>
+                <a:cs typeface="+mn-cs"/>
+              </a:defRPr>
+            </a:lvl3pPr>
+            <a:lvl4pPr marL="1782943" indent="-254706" algn="l" defTabSz="509412" rtl="0" eaLnBrk="1" latinLnBrk="0" hangingPunct="1">
+              <a:spcBef>
+                <a:spcPct val="20000"/>
+              </a:spcBef>
+              <a:buFont typeface="Arial"/>
+              <a:buChar char="–"/>
+              <a:defRPr sz="2200" kern="1200">
+                <a:solidFill>
+                  <a:schemeClr val="tx1"/>
+                </a:solidFill>
+                <a:latin typeface="+mn-lt"/>
+                <a:ea typeface="+mn-ea"/>
+                <a:cs typeface="+mn-cs"/>
+              </a:defRPr>
+            </a:lvl4pPr>
+            <a:lvl5pPr marL="2292355" indent="-254706" algn="l" defTabSz="509412" rtl="0" eaLnBrk="1" latinLnBrk="0" hangingPunct="1">
+              <a:spcBef>
+                <a:spcPct val="20000"/>
+              </a:spcBef>
+              <a:buFont typeface="Arial"/>
+              <a:buChar char="»"/>
+              <a:defRPr sz="2200" kern="1200">
+                <a:solidFill>
+                  <a:schemeClr val="tx1"/>
+                </a:solidFill>
+                <a:latin typeface="+mn-lt"/>
+                <a:ea typeface="+mn-ea"/>
+                <a:cs typeface="+mn-cs"/>
+              </a:defRPr>
+            </a:lvl5pPr>
+            <a:lvl6pPr marL="2801767" indent="-254706" algn="l" defTabSz="509412" rtl="0" eaLnBrk="1" latinLnBrk="0" hangingPunct="1">
+              <a:spcBef>
+                <a:spcPct val="20000"/>
+              </a:spcBef>
+              <a:buFont typeface="Arial"/>
+              <a:buChar char="•"/>
+              <a:defRPr sz="2200" kern="1200">
+                <a:solidFill>
+                  <a:schemeClr val="tx1"/>
+                </a:solidFill>
+                <a:latin typeface="+mn-lt"/>
+                <a:ea typeface="+mn-ea"/>
+                <a:cs typeface="+mn-cs"/>
+              </a:defRPr>
+            </a:lvl6pPr>
+            <a:lvl7pPr marL="3311180" indent="-254706" algn="l" defTabSz="509412" rtl="0" eaLnBrk="1" latinLnBrk="0" hangingPunct="1">
+              <a:spcBef>
+                <a:spcPct val="20000"/>
+              </a:spcBef>
+              <a:buFont typeface="Arial"/>
+              <a:buChar char="•"/>
+              <a:defRPr sz="2200" kern="1200">
+                <a:solidFill>
+                  <a:schemeClr val="tx1"/>
+                </a:solidFill>
+                <a:latin typeface="+mn-lt"/>
+                <a:ea typeface="+mn-ea"/>
+                <a:cs typeface="+mn-cs"/>
+              </a:defRPr>
+            </a:lvl7pPr>
+            <a:lvl8pPr marL="3820592" indent="-254706" algn="l" defTabSz="509412" rtl="0" eaLnBrk="1" latinLnBrk="0" hangingPunct="1">
+              <a:spcBef>
+                <a:spcPct val="20000"/>
+              </a:spcBef>
+              <a:buFont typeface="Arial"/>
+              <a:buChar char="•"/>
+              <a:defRPr sz="2200" kern="1200">
+                <a:solidFill>
+                  <a:schemeClr val="tx1"/>
+                </a:solidFill>
+                <a:latin typeface="+mn-lt"/>
+                <a:ea typeface="+mn-ea"/>
+                <a:cs typeface="+mn-cs"/>
+              </a:defRPr>
+            </a:lvl8pPr>
+            <a:lvl9pPr marL="4330004" indent="-254706" algn="l" defTabSz="509412" rtl="0" eaLnBrk="1" latinLnBrk="0" hangingPunct="1">
+              <a:spcBef>
+                <a:spcPct val="20000"/>
+              </a:spcBef>
+              <a:buFont typeface="Arial"/>
+              <a:buChar char="•"/>
+              <a:defRPr sz="2200" kern="1200">
+                <a:solidFill>
+                  <a:schemeClr val="tx1"/>
+                </a:solidFill>
+                <a:latin typeface="+mn-lt"/>
+                <a:ea typeface="+mn-ea"/>
+                <a:cs typeface="+mn-cs"/>
+              </a:defRPr>
+            </a:lvl9pPr>
+          </a:lstStyle>
+          <a:p>
+            <a:pPr marL="0" indent="0">
+              <a:buFont typeface="Arial"/>
+              <a:buNone/>
+            </a:pPr>
+            <a:endParaRPr lang="en-US" dirty="0"/>
+          </a:p>
+        </p:txBody>
+      </p:sp>
+      <p:sp>
+        <p:nvSpPr>
+          <p:cNvPr id="8" name="Content Placeholder 2">
+            <a:extLst>
+              <a:ext uri="{FF2B5EF4-FFF2-40B4-BE49-F238E27FC236}">
+                <a16:creationId xmlns:a16="http://schemas.microsoft.com/office/drawing/2014/main" id="{E394AB3B-E878-4742-B655-C7584045AB96}"/>
+              </a:ext>
+            </a:extLst>
+          </p:cNvPr>
+          <p:cNvSpPr txBox="1">
+            <a:spLocks/>
+          </p:cNvSpPr>
+          <p:nvPr/>
+        </p:nvSpPr>
+        <p:spPr>
+          <a:xfrm>
+            <a:off x="502920" y="4392489"/>
+            <a:ext cx="9052560" cy="2564712"/>
+          </a:xfrm>
+          <a:prstGeom prst="rect">
+            <a:avLst/>
+          </a:prstGeom>
+        </p:spPr>
+        <p:txBody>
+          <a:bodyPr lIns="101882" tIns="50941" rIns="101882" bIns="50941"/>
+          <a:lstStyle>
+            <a:lvl1pPr marL="382059" indent="-382059" algn="l" defTabSz="509412" rtl="0" eaLnBrk="1" latinLnBrk="0" hangingPunct="1">
+              <a:spcBef>
+                <a:spcPct val="20000"/>
+              </a:spcBef>
+              <a:buFont typeface="Arial"/>
+              <a:buChar char="•"/>
+              <a:defRPr sz="3600" kern="1200">
+                <a:solidFill>
+                  <a:schemeClr val="tx1"/>
+                </a:solidFill>
+                <a:latin typeface="+mn-lt"/>
+                <a:ea typeface="+mn-ea"/>
+                <a:cs typeface="+mn-cs"/>
+              </a:defRPr>
+            </a:lvl1pPr>
+            <a:lvl2pPr marL="827795" indent="-318383" algn="l" defTabSz="509412" rtl="0" eaLnBrk="1" latinLnBrk="0" hangingPunct="1">
+              <a:spcBef>
+                <a:spcPct val="20000"/>
+              </a:spcBef>
+              <a:buFont typeface="Arial"/>
+              <a:buChar char="–"/>
+              <a:defRPr sz="3100" kern="1200">
+                <a:solidFill>
+                  <a:schemeClr val="tx1"/>
+                </a:solidFill>
+                <a:latin typeface="+mn-lt"/>
+                <a:ea typeface="+mn-ea"/>
+                <a:cs typeface="+mn-cs"/>
+              </a:defRPr>
+            </a:lvl2pPr>
+            <a:lvl3pPr marL="1273531" indent="-254706" algn="l" defTabSz="509412" rtl="0" eaLnBrk="1" latinLnBrk="0" hangingPunct="1">
+              <a:spcBef>
+                <a:spcPct val="20000"/>
+              </a:spcBef>
+              <a:buFont typeface="Arial"/>
+              <a:buChar char="•"/>
+              <a:defRPr sz="2700" kern="1200">
+                <a:solidFill>
+                  <a:schemeClr val="tx1"/>
+                </a:solidFill>
+                <a:latin typeface="+mn-lt"/>
+                <a:ea typeface="+mn-ea"/>
+                <a:cs typeface="+mn-cs"/>
+              </a:defRPr>
+            </a:lvl3pPr>
+            <a:lvl4pPr marL="1782943" indent="-254706" algn="l" defTabSz="509412" rtl="0" eaLnBrk="1" latinLnBrk="0" hangingPunct="1">
+              <a:spcBef>
+                <a:spcPct val="20000"/>
+              </a:spcBef>
+              <a:buFont typeface="Arial"/>
+              <a:buChar char="–"/>
+              <a:defRPr sz="2200" kern="1200">
+                <a:solidFill>
+                  <a:schemeClr val="tx1"/>
+                </a:solidFill>
+                <a:latin typeface="+mn-lt"/>
+                <a:ea typeface="+mn-ea"/>
+                <a:cs typeface="+mn-cs"/>
+              </a:defRPr>
+            </a:lvl4pPr>
+            <a:lvl5pPr marL="2292355" indent="-254706" algn="l" defTabSz="509412" rtl="0" eaLnBrk="1" latinLnBrk="0" hangingPunct="1">
+              <a:spcBef>
+                <a:spcPct val="20000"/>
+              </a:spcBef>
+              <a:buFont typeface="Arial"/>
+              <a:buChar char="»"/>
+              <a:defRPr sz="2200" kern="1200">
+                <a:solidFill>
+                  <a:schemeClr val="tx1"/>
+                </a:solidFill>
+                <a:latin typeface="+mn-lt"/>
+                <a:ea typeface="+mn-ea"/>
+                <a:cs typeface="+mn-cs"/>
+              </a:defRPr>
+            </a:lvl5pPr>
+            <a:lvl6pPr marL="2801767" indent="-254706" algn="l" defTabSz="509412" rtl="0" eaLnBrk="1" latinLnBrk="0" hangingPunct="1">
+              <a:spcBef>
+                <a:spcPct val="20000"/>
+              </a:spcBef>
+              <a:buFont typeface="Arial"/>
+              <a:buChar char="•"/>
+              <a:defRPr sz="2200" kern="1200">
+                <a:solidFill>
+                  <a:schemeClr val="tx1"/>
+                </a:solidFill>
+                <a:latin typeface="+mn-lt"/>
+                <a:ea typeface="+mn-ea"/>
+                <a:cs typeface="+mn-cs"/>
+              </a:defRPr>
+            </a:lvl6pPr>
+            <a:lvl7pPr marL="3311180" indent="-254706" algn="l" defTabSz="509412" rtl="0" eaLnBrk="1" latinLnBrk="0" hangingPunct="1">
+              <a:spcBef>
+                <a:spcPct val="20000"/>
+              </a:spcBef>
+              <a:buFont typeface="Arial"/>
+              <a:buChar char="•"/>
+              <a:defRPr sz="2200" kern="1200">
+                <a:solidFill>
+                  <a:schemeClr val="tx1"/>
+                </a:solidFill>
+                <a:latin typeface="+mn-lt"/>
+                <a:ea typeface="+mn-ea"/>
+                <a:cs typeface="+mn-cs"/>
+              </a:defRPr>
+            </a:lvl7pPr>
+            <a:lvl8pPr marL="3820592" indent="-254706" algn="l" defTabSz="509412" rtl="0" eaLnBrk="1" latinLnBrk="0" hangingPunct="1">
+              <a:spcBef>
+                <a:spcPct val="20000"/>
+              </a:spcBef>
+              <a:buFont typeface="Arial"/>
+              <a:buChar char="•"/>
+              <a:defRPr sz="2200" kern="1200">
+                <a:solidFill>
+                  <a:schemeClr val="tx1"/>
+                </a:solidFill>
+                <a:latin typeface="+mn-lt"/>
+                <a:ea typeface="+mn-ea"/>
+                <a:cs typeface="+mn-cs"/>
+              </a:defRPr>
+            </a:lvl8pPr>
+            <a:lvl9pPr marL="4330004" indent="-254706" algn="l" defTabSz="509412" rtl="0" eaLnBrk="1" latinLnBrk="0" hangingPunct="1">
+              <a:spcBef>
+                <a:spcPct val="20000"/>
+              </a:spcBef>
+              <a:buFont typeface="Arial"/>
+              <a:buChar char="•"/>
+              <a:defRPr sz="2200" kern="1200">
+                <a:solidFill>
+                  <a:schemeClr val="tx1"/>
+                </a:solidFill>
+                <a:latin typeface="+mn-lt"/>
+                <a:ea typeface="+mn-ea"/>
+                <a:cs typeface="+mn-cs"/>
+              </a:defRPr>
+            </a:lvl9pPr>
+          </a:lstStyle>
+          <a:p>
+            <a:pPr marL="0" indent="0">
+              <a:buFont typeface="Arial"/>
+              <a:buNone/>
+            </a:pPr>
+            <a:endParaRPr lang="en-US" dirty="0"/>
+          </a:p>
+        </p:txBody>
+      </p:sp>
+      <p:sp>
+        <p:nvSpPr>
+          <p:cNvPr id="9" name="Content Placeholder 2">
+            <a:extLst>
+              <a:ext uri="{FF2B5EF4-FFF2-40B4-BE49-F238E27FC236}">
+                <a16:creationId xmlns:a16="http://schemas.microsoft.com/office/drawing/2014/main" id="{566F6811-C633-4AD7-A54D-275F08C89303}"/>
+              </a:ext>
+            </a:extLst>
+          </p:cNvPr>
+          <p:cNvSpPr txBox="1">
+            <a:spLocks/>
+          </p:cNvSpPr>
+          <p:nvPr/>
+        </p:nvSpPr>
+        <p:spPr>
+          <a:xfrm>
+            <a:off x="502920" y="4530672"/>
+            <a:ext cx="9052560" cy="2564712"/>
+          </a:xfrm>
+          <a:prstGeom prst="rect">
+            <a:avLst/>
+          </a:prstGeom>
+        </p:spPr>
+        <p:txBody>
+          <a:bodyPr lIns="101882" tIns="50941" rIns="101882" bIns="50941"/>
+          <a:lstStyle>
+            <a:lvl1pPr marL="382059" indent="-382059" algn="l" defTabSz="509412" rtl="0" eaLnBrk="1" latinLnBrk="0" hangingPunct="1">
+              <a:spcBef>
+                <a:spcPct val="20000"/>
+              </a:spcBef>
+              <a:buFont typeface="Arial"/>
+              <a:buChar char="•"/>
+              <a:defRPr sz="3600" kern="1200">
+                <a:solidFill>
+                  <a:schemeClr val="tx1"/>
+                </a:solidFill>
+                <a:latin typeface="+mn-lt"/>
+                <a:ea typeface="+mn-ea"/>
+                <a:cs typeface="+mn-cs"/>
+              </a:defRPr>
+            </a:lvl1pPr>
+            <a:lvl2pPr marL="827795" indent="-318383" algn="l" defTabSz="509412" rtl="0" eaLnBrk="1" latinLnBrk="0" hangingPunct="1">
+              <a:spcBef>
+                <a:spcPct val="20000"/>
+              </a:spcBef>
+              <a:buFont typeface="Arial"/>
+              <a:buChar char="–"/>
+              <a:defRPr sz="3100" kern="1200">
+                <a:solidFill>
+                  <a:schemeClr val="tx1"/>
+                </a:solidFill>
+                <a:latin typeface="+mn-lt"/>
+                <a:ea typeface="+mn-ea"/>
+                <a:cs typeface="+mn-cs"/>
+              </a:defRPr>
+            </a:lvl2pPr>
+            <a:lvl3pPr marL="1273531" indent="-254706" algn="l" defTabSz="509412" rtl="0" eaLnBrk="1" latinLnBrk="0" hangingPunct="1">
+              <a:spcBef>
+                <a:spcPct val="20000"/>
+              </a:spcBef>
+              <a:buFont typeface="Arial"/>
+              <a:buChar char="•"/>
+              <a:defRPr sz="2700" kern="1200">
+                <a:solidFill>
+                  <a:schemeClr val="tx1"/>
+                </a:solidFill>
+                <a:latin typeface="+mn-lt"/>
+                <a:ea typeface="+mn-ea"/>
+                <a:cs typeface="+mn-cs"/>
+              </a:defRPr>
+            </a:lvl3pPr>
+            <a:lvl4pPr marL="1782943" indent="-254706" algn="l" defTabSz="509412" rtl="0" eaLnBrk="1" latinLnBrk="0" hangingPunct="1">
+              <a:spcBef>
+                <a:spcPct val="20000"/>
+              </a:spcBef>
+              <a:buFont typeface="Arial"/>
+              <a:buChar char="–"/>
+              <a:defRPr sz="2200" kern="1200">
+                <a:solidFill>
+                  <a:schemeClr val="tx1"/>
+                </a:solidFill>
+                <a:latin typeface="+mn-lt"/>
+                <a:ea typeface="+mn-ea"/>
+                <a:cs typeface="+mn-cs"/>
+              </a:defRPr>
+            </a:lvl4pPr>
+            <a:lvl5pPr marL="2292355" indent="-254706" algn="l" defTabSz="509412" rtl="0" eaLnBrk="1" latinLnBrk="0" hangingPunct="1">
+              <a:spcBef>
+                <a:spcPct val="20000"/>
+              </a:spcBef>
+              <a:buFont typeface="Arial"/>
+              <a:buChar char="»"/>
+              <a:defRPr sz="2200" kern="1200">
+                <a:solidFill>
+                  <a:schemeClr val="tx1"/>
+                </a:solidFill>
+                <a:latin typeface="+mn-lt"/>
+                <a:ea typeface="+mn-ea"/>
+                <a:cs typeface="+mn-cs"/>
+              </a:defRPr>
+            </a:lvl5pPr>
+            <a:lvl6pPr marL="2801767" indent="-254706" algn="l" defTabSz="509412" rtl="0" eaLnBrk="1" latinLnBrk="0" hangingPunct="1">
+              <a:spcBef>
+                <a:spcPct val="20000"/>
+              </a:spcBef>
+              <a:buFont typeface="Arial"/>
+              <a:buChar char="•"/>
+              <a:defRPr sz="2200" kern="1200">
+                <a:solidFill>
+                  <a:schemeClr val="tx1"/>
+                </a:solidFill>
+                <a:latin typeface="+mn-lt"/>
+                <a:ea typeface="+mn-ea"/>
+                <a:cs typeface="+mn-cs"/>
+              </a:defRPr>
+            </a:lvl6pPr>
+            <a:lvl7pPr marL="3311180" indent="-254706" algn="l" defTabSz="509412" rtl="0" eaLnBrk="1" latinLnBrk="0" hangingPunct="1">
+              <a:spcBef>
+                <a:spcPct val="20000"/>
+              </a:spcBef>
+              <a:buFont typeface="Arial"/>
+              <a:buChar char="•"/>
+              <a:defRPr sz="2200" kern="1200">
+                <a:solidFill>
+                  <a:schemeClr val="tx1"/>
+                </a:solidFill>
+                <a:latin typeface="+mn-lt"/>
+                <a:ea typeface="+mn-ea"/>
+                <a:cs typeface="+mn-cs"/>
+              </a:defRPr>
+            </a:lvl7pPr>
+            <a:lvl8pPr marL="3820592" indent="-254706" algn="l" defTabSz="509412" rtl="0" eaLnBrk="1" latinLnBrk="0" hangingPunct="1">
+              <a:spcBef>
+                <a:spcPct val="20000"/>
+              </a:spcBef>
+              <a:buFont typeface="Arial"/>
+              <a:buChar char="•"/>
+              <a:defRPr sz="2200" kern="1200">
+                <a:solidFill>
+                  <a:schemeClr val="tx1"/>
+                </a:solidFill>
+                <a:latin typeface="+mn-lt"/>
+                <a:ea typeface="+mn-ea"/>
+                <a:cs typeface="+mn-cs"/>
+              </a:defRPr>
+            </a:lvl8pPr>
+            <a:lvl9pPr marL="4330004" indent="-254706" algn="l" defTabSz="509412" rtl="0" eaLnBrk="1" latinLnBrk="0" hangingPunct="1">
+              <a:spcBef>
+                <a:spcPct val="20000"/>
+              </a:spcBef>
+              <a:buFont typeface="Arial"/>
+              <a:buChar char="•"/>
+              <a:defRPr sz="2200" kern="1200">
+                <a:solidFill>
+                  <a:schemeClr val="tx1"/>
+                </a:solidFill>
+                <a:latin typeface="+mn-lt"/>
+                <a:ea typeface="+mn-ea"/>
+                <a:cs typeface="+mn-cs"/>
+              </a:defRPr>
+            </a:lvl9pPr>
+          </a:lstStyle>
+          <a:p>
+            <a:r>
+              <a:rPr lang="en-US" dirty="0"/>
+              <a:t>May need large amount of exploration / experience to learn. </a:t>
+            </a:r>
+          </a:p>
+        </p:txBody>
+      </p:sp>
+    </p:spTree>
+    <p:extLst>
+      <p:ext uri="{BB962C8B-B14F-4D97-AF65-F5344CB8AC3E}">
+        <p14:creationId xmlns:p14="http://schemas.microsoft.com/office/powerpoint/2010/main" val="1931675483"/>
       </p:ext>
     </p:extLst>
   </p:cSld>

--- a/QLearningLectureTarver.pptx
+++ b/QLearningLectureTarver.pptx
@@ -733,6 +733,120 @@
     </a:lvl9pPr>
   </p:notesStyle>
 </p:notesMaster>
+</file>
+
+<file path=ppt/notesSlides/notesSlide1.xml><?xml version="1.0" encoding="utf-8"?>
+<p:notes xmlns:a="http://schemas.openxmlformats.org/drawingml/2006/main" xmlns:r="http://schemas.openxmlformats.org/officeDocument/2006/relationships" xmlns:p="http://schemas.openxmlformats.org/presentationml/2006/main">
+  <p:cSld>
+    <p:spTree>
+      <p:nvGrpSpPr>
+        <p:cNvPr id="1" name=""/>
+        <p:cNvGrpSpPr/>
+        <p:nvPr/>
+      </p:nvGrpSpPr>
+      <p:grpSpPr>
+        <a:xfrm>
+          <a:off x="0" y="0"/>
+          <a:ext cx="0" cy="0"/>
+          <a:chOff x="0" y="0"/>
+          <a:chExt cx="0" cy="0"/>
+        </a:xfrm>
+      </p:grpSpPr>
+      <p:sp>
+        <p:nvSpPr>
+          <p:cNvPr id="2" name="Slide Image Placeholder 1"/>
+          <p:cNvSpPr>
+            <a:spLocks noGrp="1" noRot="1" noChangeAspect="1"/>
+          </p:cNvSpPr>
+          <p:nvPr>
+            <p:ph type="sldImg"/>
+          </p:nvPr>
+        </p:nvSpPr>
+        <p:spPr/>
+      </p:sp>
+      <p:sp>
+        <p:nvSpPr>
+          <p:cNvPr id="3" name="Notes Placeholder 2"/>
+          <p:cNvSpPr>
+            <a:spLocks noGrp="1"/>
+          </p:cNvSpPr>
+          <p:nvPr>
+            <p:ph type="body" idx="1"/>
+          </p:nvPr>
+        </p:nvSpPr>
+        <p:spPr/>
+        <p:txBody>
+          <a:bodyPr/>
+          <a:lstStyle/>
+          <a:p>
+            <a:r>
+              <a:rPr lang="en-US" dirty="0"/>
+              <a:t>84x84, 256-greyscale pixels with last 4 screens </a:t>
+            </a:r>
+            <a:r>
+              <a:rPr lang="en-US" dirty="0">
+                <a:sym typeface="Wingdings" panose="05000000000000000000" pitchFamily="2" charset="2"/>
+              </a:rPr>
+              <a:t> 256^ 84*84*4 = 10^67970 ( more states than atoms in </a:t>
+            </a:r>
+            <a:r>
+              <a:rPr lang="en-US">
+                <a:sym typeface="Wingdings" panose="05000000000000000000" pitchFamily="2" charset="2"/>
+              </a:rPr>
+              <a:t>the universe)</a:t>
+            </a:r>
+          </a:p>
+          <a:p>
+            <a:endParaRPr lang="en-US"/>
+          </a:p>
+        </p:txBody>
+      </p:sp>
+      <p:sp>
+        <p:nvSpPr>
+          <p:cNvPr id="4" name="Slide Number Placeholder 3"/>
+          <p:cNvSpPr>
+            <a:spLocks noGrp="1"/>
+          </p:cNvSpPr>
+          <p:nvPr>
+            <p:ph type="sldNum" sz="quarter" idx="10"/>
+          </p:nvPr>
+        </p:nvSpPr>
+        <p:spPr/>
+        <p:txBody>
+          <a:bodyPr/>
+          <a:lstStyle/>
+          <a:p>
+            <a:fld id="{D3CEFB91-0E46-0049-83A0-416CE6334971}" type="slidenum">
+              <a:rPr lang="en-US" smtClean="0">
+                <a:solidFill>
+                  <a:schemeClr val="bg1"/>
+                </a:solidFill>
+                <a:latin typeface="OfficinaSansITCStd Book"/>
+                <a:cs typeface="OfficinaSansITCStd Book"/>
+              </a:rPr>
+              <a:t>17</a:t>
+            </a:fld>
+            <a:endParaRPr lang="en-US" dirty="0">
+              <a:solidFill>
+                <a:schemeClr val="bg1"/>
+              </a:solidFill>
+              <a:latin typeface="OfficinaSansITCStd Book"/>
+              <a:cs typeface="OfficinaSansITCStd Book"/>
+            </a:endParaRPr>
+          </a:p>
+        </p:txBody>
+      </p:sp>
+    </p:spTree>
+    <p:extLst>
+      <p:ext uri="{BB962C8B-B14F-4D97-AF65-F5344CB8AC3E}">
+        <p14:creationId xmlns:p14="http://schemas.microsoft.com/office/powerpoint/2010/main" val="1462150699"/>
+      </p:ext>
+    </p:extLst>
+  </p:cSld>
+  <p:clrMapOvr>
+    <a:masterClrMapping/>
+  </p:clrMapOvr>
+</p:notes>
 </file>
 
 <file path=ppt/slideLayouts/slideLayout1.xml><?xml version="1.0" encoding="utf-8"?>
@@ -3514,7 +3628,14 @@
             <a:pPr lvl="1" fontAlgn="base"/>
             <a:r>
               <a:rPr lang="en-US" dirty="0"/>
-              <a:t>Play video games</a:t>
+              <a:t>General purpose agent</a:t>
+            </a:r>
+          </a:p>
+          <a:p>
+            <a:pPr lvl="1" fontAlgn="base"/>
+            <a:r>
+              <a:rPr lang="en-US" dirty="0"/>
+              <a:t>Able to outperform human in 49 Atari games</a:t>
             </a:r>
           </a:p>
           <a:p>
@@ -7365,8 +7486,8 @@
           </a:p>
         </p:txBody>
       </p:sp>
-      <mc:AlternateContent xmlns:mc="http://schemas.openxmlformats.org/markup-compatibility/2006">
-        <mc:Choice xmlns:a14="http://schemas.microsoft.com/office/drawing/2010/main" Requires="a14">
+      <mc:AlternateContent xmlns:mc="http://schemas.openxmlformats.org/markup-compatibility/2006" xmlns:a14="http://schemas.microsoft.com/office/drawing/2010/main">
+        <mc:Choice Requires="a14">
           <p:sp>
             <p:nvSpPr>
               <p:cNvPr id="6" name="TextBox 5">
@@ -7395,6 +7516,7 @@
               </a:bodyPr>
               <a:lstStyle/>
               <a:p>
+                <a:pPr/>
                 <a14:m>
                   <m:oMathPara xmlns:m="http://schemas.openxmlformats.org/officeDocument/2006/math">
                     <m:oMathParaPr>
@@ -7739,7 +7861,7 @@
             </p:txBody>
           </p:sp>
         </mc:Choice>
-        <mc:Fallback>
+        <mc:Fallback xmlns="">
           <p:sp>
             <p:nvSpPr>
               <p:cNvPr id="6" name="TextBox 5">
@@ -7843,8 +7965,8 @@
           </a:p>
         </p:txBody>
       </p:sp>
-      <mc:AlternateContent xmlns:mc="http://schemas.openxmlformats.org/markup-compatibility/2006">
-        <mc:Choice xmlns:a14="http://schemas.microsoft.com/office/drawing/2010/main" Requires="a14">
+      <mc:AlternateContent xmlns:mc="http://schemas.openxmlformats.org/markup-compatibility/2006" xmlns:a14="http://schemas.microsoft.com/office/drawing/2010/main">
+        <mc:Choice Requires="a14">
           <p:sp>
             <p:nvSpPr>
               <p:cNvPr id="3" name="Content Placeholder 2">
@@ -8077,7 +8199,7 @@
             </p:txBody>
           </p:sp>
         </mc:Choice>
-        <mc:Fallback>
+        <mc:Fallback xmlns="">
           <p:sp>
             <p:nvSpPr>
               <p:cNvPr id="3" name="Content Placeholder 2">
@@ -8151,8 +8273,8 @@
           </a:p>
         </p:txBody>
       </p:sp>
-      <mc:AlternateContent xmlns:mc="http://schemas.openxmlformats.org/markup-compatibility/2006">
-        <mc:Choice xmlns:a14="http://schemas.microsoft.com/office/drawing/2010/main" Requires="a14">
+      <mc:AlternateContent xmlns:mc="http://schemas.openxmlformats.org/markup-compatibility/2006" xmlns:a14="http://schemas.microsoft.com/office/drawing/2010/main">
+        <mc:Choice Requires="a14">
           <p:sp>
             <p:nvSpPr>
               <p:cNvPr id="5" name="TextBox 4">
@@ -8181,6 +8303,7 @@
               </a:bodyPr>
               <a:lstStyle/>
               <a:p>
+                <a:pPr/>
                 <a14:m>
                   <m:oMathPara xmlns:m="http://schemas.openxmlformats.org/officeDocument/2006/math">
                     <m:oMathParaPr>
@@ -8532,7 +8655,7 @@
             </p:txBody>
           </p:sp>
         </mc:Choice>
-        <mc:Fallback>
+        <mc:Fallback xmlns="">
           <p:sp>
             <p:nvSpPr>
               <p:cNvPr id="5" name="TextBox 4">
